--- a/Summary/20220901_microbiome_demographic_slides.pptx
+++ b/Summary/20220901_microbiome_demographic_slides.pptx
@@ -5,16 +5,15 @@
     <p:sldMasterId id="2147483648" r:id="rId1"/>
   </p:sldMasterIdLst>
   <p:notesMasterIdLst>
-    <p:notesMasterId r:id="rId9"/>
+    <p:notesMasterId r:id="rId8"/>
   </p:notesMasterIdLst>
   <p:sldIdLst>
     <p:sldId id="384" r:id="rId2"/>
     <p:sldId id="366" r:id="rId3"/>
     <p:sldId id="377" r:id="rId4"/>
     <p:sldId id="394" r:id="rId5"/>
-    <p:sldId id="395" r:id="rId6"/>
-    <p:sldId id="396" r:id="rId7"/>
-    <p:sldId id="393" r:id="rId8"/>
+    <p:sldId id="396" r:id="rId6"/>
+    <p:sldId id="393" r:id="rId7"/>
   </p:sldIdLst>
   <p:sldSz cx="12192000" cy="6858000"/>
   <p:notesSz cx="6858000" cy="9144000"/>
@@ -122,7 +121,6 @@
             <p14:sldId id="366"/>
             <p14:sldId id="377"/>
             <p14:sldId id="394"/>
-            <p14:sldId id="395"/>
             <p14:sldId id="396"/>
             <p14:sldId id="393"/>
           </p14:sldIdLst>
@@ -139,7 +137,7 @@
 <file path=ppt/revisionInfo.xml><?xml version="1.0" encoding="utf-8"?>
 <p1510:revInfo xmlns:a="http://schemas.openxmlformats.org/drawingml/2006/main" xmlns:r="http://schemas.openxmlformats.org/officeDocument/2006/relationships" xmlns:p1510="http://schemas.microsoft.com/office/powerpoint/2015/10/main">
   <p1510:revLst>
-    <p1510:client id="{3832539D-F684-497F-9D69-3993DB74F7C1}" v="4" dt="2022-09-01T18:51:13.576"/>
+    <p1510:client id="{3832539D-F684-497F-9D69-3993DB74F7C1}" v="5" dt="2022-09-01T18:57:00.620"/>
   </p1510:revLst>
 </p1510:revInfo>
 </file>
@@ -149,7 +147,7 @@
   <pc:docChgLst>
     <pc:chgData name="Jonathan Mah" userId="5261b2f2f3e51194" providerId="LiveId" clId="{3832539D-F684-497F-9D69-3993DB74F7C1}"/>
     <pc:docChg chg="custSel addSld delSld modSld modSection">
-      <pc:chgData name="Jonathan Mah" userId="5261b2f2f3e51194" providerId="LiveId" clId="{3832539D-F684-497F-9D69-3993DB74F7C1}" dt="2022-09-01T18:52:55.207" v="105" actId="20577"/>
+      <pc:chgData name="Jonathan Mah" userId="5261b2f2f3e51194" providerId="LiveId" clId="{3832539D-F684-497F-9D69-3993DB74F7C1}" dt="2022-09-01T18:57:07.542" v="114" actId="20577"/>
       <pc:docMkLst>
         <pc:docMk/>
       </pc:docMkLst>
@@ -190,7 +188,7 @@
         </pc:sldMkLst>
       </pc:sldChg>
       <pc:sldChg chg="addSp delSp modSp mod">
-        <pc:chgData name="Jonathan Mah" userId="5261b2f2f3e51194" providerId="LiveId" clId="{3832539D-F684-497F-9D69-3993DB74F7C1}" dt="2022-09-01T18:52:55.207" v="105" actId="20577"/>
+        <pc:chgData name="Jonathan Mah" userId="5261b2f2f3e51194" providerId="LiveId" clId="{3832539D-F684-497F-9D69-3993DB74F7C1}" dt="2022-09-01T18:57:01.818" v="108" actId="27614"/>
         <pc:sldMkLst>
           <pc:docMk/>
           <pc:sldMk cId="1930837532" sldId="377"/>
@@ -211,8 +209,16 @@
             <ac:spMk id="4" creationId="{246164C2-5D32-5047-82F5-0664B7ACE57F}"/>
           </ac:spMkLst>
         </pc:spChg>
-        <pc:picChg chg="add mod">
-          <ac:chgData name="Jonathan Mah" userId="5261b2f2f3e51194" providerId="LiveId" clId="{3832539D-F684-497F-9D69-3993DB74F7C1}" dt="2022-09-01T18:50:27.293" v="66" actId="962"/>
+        <pc:spChg chg="add del mod">
+          <ac:chgData name="Jonathan Mah" userId="5261b2f2f3e51194" providerId="LiveId" clId="{3832539D-F684-497F-9D69-3993DB74F7C1}" dt="2022-09-01T18:57:00.620" v="107"/>
+          <ac:spMkLst>
+            <pc:docMk/>
+            <pc:sldMk cId="1930837532" sldId="377"/>
+            <ac:spMk id="9" creationId="{FE591B4E-2A7D-8EEB-D00C-F77B552A19F4}"/>
+          </ac:spMkLst>
+        </pc:spChg>
+        <pc:picChg chg="add del mod">
+          <ac:chgData name="Jonathan Mah" userId="5261b2f2f3e51194" providerId="LiveId" clId="{3832539D-F684-497F-9D69-3993DB74F7C1}" dt="2022-09-01T18:57:00.478" v="106" actId="478"/>
           <ac:picMkLst>
             <pc:docMk/>
             <pc:sldMk cId="1930837532" sldId="377"/>
@@ -225,6 +231,14 @@
             <pc:docMk/>
             <pc:sldMk cId="1930837532" sldId="377"/>
             <ac:picMk id="8" creationId="{C9AB93B2-4C97-0576-C462-4B803A2D4273}"/>
+          </ac:picMkLst>
+        </pc:picChg>
+        <pc:picChg chg="add mod">
+          <ac:chgData name="Jonathan Mah" userId="5261b2f2f3e51194" providerId="LiveId" clId="{3832539D-F684-497F-9D69-3993DB74F7C1}" dt="2022-09-01T18:57:01.818" v="108" actId="27614"/>
+          <ac:picMkLst>
+            <pc:docMk/>
+            <pc:sldMk cId="1930837532" sldId="377"/>
+            <ac:picMk id="11" creationId="{0811B890-B648-64CC-7DDF-192F4C860643}"/>
           </ac:picMkLst>
         </pc:picChg>
       </pc:sldChg>
@@ -271,8 +285,8 @@
           <pc:sldMk cId="1943336172" sldId="394"/>
         </pc:sldMkLst>
       </pc:sldChg>
-      <pc:sldChg chg="add">
-        <pc:chgData name="Jonathan Mah" userId="5261b2f2f3e51194" providerId="LiveId" clId="{3832539D-F684-497F-9D69-3993DB74F7C1}" dt="2022-09-01T18:51:13.326" v="84"/>
+      <pc:sldChg chg="add del">
+        <pc:chgData name="Jonathan Mah" userId="5261b2f2f3e51194" providerId="LiveId" clId="{3832539D-F684-497F-9D69-3993DB74F7C1}" dt="2022-09-01T18:57:04.077" v="109" actId="47"/>
         <pc:sldMkLst>
           <pc:docMk/>
           <pc:sldMk cId="789635118" sldId="395"/>
@@ -285,12 +299,20 @@
           <pc:sldMk cId="1985354925" sldId="395"/>
         </pc:sldMkLst>
       </pc:sldChg>
-      <pc:sldChg chg="add">
-        <pc:chgData name="Jonathan Mah" userId="5261b2f2f3e51194" providerId="LiveId" clId="{3832539D-F684-497F-9D69-3993DB74F7C1}" dt="2022-09-01T18:51:13.571" v="85"/>
+      <pc:sldChg chg="modSp add mod">
+        <pc:chgData name="Jonathan Mah" userId="5261b2f2f3e51194" providerId="LiveId" clId="{3832539D-F684-497F-9D69-3993DB74F7C1}" dt="2022-09-01T18:57:07.542" v="114" actId="20577"/>
         <pc:sldMkLst>
           <pc:docMk/>
           <pc:sldMk cId="325441552" sldId="396"/>
         </pc:sldMkLst>
+        <pc:spChg chg="mod">
+          <ac:chgData name="Jonathan Mah" userId="5261b2f2f3e51194" providerId="LiveId" clId="{3832539D-F684-497F-9D69-3993DB74F7C1}" dt="2022-09-01T18:57:07.542" v="114" actId="20577"/>
+          <ac:spMkLst>
+            <pc:docMk/>
+            <pc:sldMk cId="325441552" sldId="396"/>
+            <ac:spMk id="2" creationId="{DDECB1F4-193F-9752-CBCE-13D62BD690F0}"/>
+          </ac:spMkLst>
+        </pc:spChg>
       </pc:sldChg>
       <pc:sldChg chg="del">
         <pc:chgData name="Jonathan Mah" userId="5261b2f2f3e51194" providerId="LiveId" clId="{3832539D-F684-497F-9D69-3993DB74F7C1}" dt="2022-09-01T18:45:50.853" v="25" actId="47"/>
@@ -4180,10 +4202,10 @@
       </p:sp>
       <p:pic>
         <p:nvPicPr>
-          <p:cNvPr id="6" name="Content Placeholder 5" descr="Chart, histogram&#10;&#10;Description automatically generated">
-            <a:extLst>
-              <a:ext uri="{FF2B5EF4-FFF2-40B4-BE49-F238E27FC236}">
-                <a16:creationId xmlns:a16="http://schemas.microsoft.com/office/drawing/2014/main" id="{702E72AA-2299-83D8-DA6B-46728C7BB2DE}"/>
+          <p:cNvPr id="11" name="Content Placeholder 10" descr="Chart&#10;&#10;Description automatically generated">
+            <a:extLst>
+              <a:ext uri="{FF2B5EF4-FFF2-40B4-BE49-F238E27FC236}">
+                <a16:creationId xmlns:a16="http://schemas.microsoft.com/office/drawing/2014/main" id="{0811B890-B648-64CC-7DDF-192F4C860643}"/>
               </a:ext>
             </a:extLst>
           </p:cNvPr>
@@ -4387,116 +4409,7 @@
             </a:r>
             <a:r>
               <a:rPr lang="en-US" dirty="0" err="1"/>
-              <a:t>CenteredNorm</a:t>
-            </a:r>
-            <a:r>
-              <a:rPr lang="en-US" dirty="0"/>
-              <a:t>)</a:t>
-            </a:r>
-          </a:p>
-        </p:txBody>
-      </p:sp>
-      <p:pic>
-        <p:nvPicPr>
-          <p:cNvPr id="6" name="Content Placeholder 5" descr="Chart, histogram&#10;&#10;Description automatically generated">
-            <a:extLst>
-              <a:ext uri="{FF2B5EF4-FFF2-40B4-BE49-F238E27FC236}">
-                <a16:creationId xmlns:a16="http://schemas.microsoft.com/office/drawing/2014/main" id="{702E72AA-2299-83D8-DA6B-46728C7BB2DE}"/>
-              </a:ext>
-            </a:extLst>
-          </p:cNvPr>
-          <p:cNvPicPr>
-            <a:picLocks noGrp="1" noChangeAspect="1"/>
-          </p:cNvPicPr>
-          <p:nvPr>
-            <p:ph idx="1"/>
-          </p:nvPr>
-        </p:nvPicPr>
-        <p:blipFill>
-          <a:blip r:embed="rId2">
-            <a:extLst>
-              <a:ext uri="{28A0092B-C50C-407E-A947-70E740481C1C}">
-                <a14:useLocalDpi xmlns:a14="http://schemas.microsoft.com/office/drawing/2010/main" val="0"/>
-              </a:ext>
-            </a:extLst>
-          </a:blip>
-          <a:stretch>
-            <a:fillRect/>
-          </a:stretch>
-        </p:blipFill>
-        <p:spPr>
-          <a:xfrm>
-            <a:off x="3195108" y="1825625"/>
-            <a:ext cx="5801784" cy="4351338"/>
-          </a:xfrm>
-        </p:spPr>
-      </p:pic>
-    </p:spTree>
-    <p:extLst>
-      <p:ext uri="{BB962C8B-B14F-4D97-AF65-F5344CB8AC3E}">
-        <p14:creationId xmlns:p14="http://schemas.microsoft.com/office/powerpoint/2010/main" val="789635118"/>
-      </p:ext>
-    </p:extLst>
-  </p:cSld>
-  <p:clrMapOvr>
-    <a:masterClrMapping/>
-  </p:clrMapOvr>
-</p:sld>
-</file>
-
-<file path=ppt/slides/slide6.xml><?xml version="1.0" encoding="utf-8"?>
-<p:sld xmlns:a="http://schemas.openxmlformats.org/drawingml/2006/main" xmlns:r="http://schemas.openxmlformats.org/officeDocument/2006/relationships" xmlns:p="http://schemas.openxmlformats.org/presentationml/2006/main">
-  <p:cSld>
-    <p:spTree>
-      <p:nvGrpSpPr>
-        <p:cNvPr id="1" name=""/>
-        <p:cNvGrpSpPr/>
-        <p:nvPr/>
-      </p:nvGrpSpPr>
-      <p:grpSpPr>
-        <a:xfrm>
-          <a:off x="0" y="0"/>
-          <a:ext cx="0" cy="0"/>
-          <a:chOff x="0" y="0"/>
-          <a:chExt cx="0" cy="0"/>
-        </a:xfrm>
-      </p:grpSpPr>
-      <p:sp>
-        <p:nvSpPr>
-          <p:cNvPr id="2" name="Title 1">
-            <a:extLst>
-              <a:ext uri="{FF2B5EF4-FFF2-40B4-BE49-F238E27FC236}">
-                <a16:creationId xmlns:a16="http://schemas.microsoft.com/office/drawing/2014/main" id="{DDECB1F4-193F-9752-CBCE-13D62BD690F0}"/>
-              </a:ext>
-            </a:extLst>
-          </p:cNvPr>
-          <p:cNvSpPr>
-            <a:spLocks noGrp="1"/>
-          </p:cNvSpPr>
-          <p:nvPr>
-            <p:ph type="title"/>
-          </p:nvPr>
-        </p:nvSpPr>
-        <p:spPr/>
-        <p:txBody>
-          <a:bodyPr/>
-          <a:lstStyle/>
-          <a:p>
-            <a:r>
-              <a:rPr lang="en-US" dirty="0"/>
-              <a:t>P. </a:t>
-            </a:r>
-            <a:r>
-              <a:rPr lang="en-US" dirty="0" err="1"/>
-              <a:t>Distasonis</a:t>
-            </a:r>
-            <a:r>
-              <a:rPr lang="en-US" dirty="0"/>
-              <a:t> (</a:t>
-            </a:r>
-            <a:r>
-              <a:rPr lang="en-US" dirty="0" err="1"/>
-              <a:t>CenteredNorm</a:t>
+              <a:t>CustomNorm</a:t>
             </a:r>
             <a:r>
               <a:rPr lang="en-US" dirty="0"/>
@@ -4553,7 +4466,7 @@
 </p:sld>
 </file>
 
-<file path=ppt/slides/slide7.xml><?xml version="1.0" encoding="utf-8"?>
+<file path=ppt/slides/slide6.xml><?xml version="1.0" encoding="utf-8"?>
 <p:sld xmlns:a="http://schemas.openxmlformats.org/drawingml/2006/main" xmlns:r="http://schemas.openxmlformats.org/officeDocument/2006/relationships" xmlns:p="http://schemas.openxmlformats.org/presentationml/2006/main">
   <p:cSld>
     <p:spTree>

--- a/Summary/20220901_microbiome_demographic_slides.pptx
+++ b/Summary/20220901_microbiome_demographic_slides.pptx
@@ -5,15 +5,19 @@
     <p:sldMasterId id="2147483648" r:id="rId1"/>
   </p:sldMasterIdLst>
   <p:notesMasterIdLst>
-    <p:notesMasterId r:id="rId8"/>
+    <p:notesMasterId r:id="rId12"/>
   </p:notesMasterIdLst>
   <p:sldIdLst>
     <p:sldId id="384" r:id="rId2"/>
     <p:sldId id="366" r:id="rId3"/>
-    <p:sldId id="377" r:id="rId4"/>
-    <p:sldId id="394" r:id="rId5"/>
+    <p:sldId id="400" r:id="rId4"/>
+    <p:sldId id="398" r:id="rId5"/>
     <p:sldId id="396" r:id="rId6"/>
-    <p:sldId id="393" r:id="rId7"/>
+    <p:sldId id="399" r:id="rId7"/>
+    <p:sldId id="397" r:id="rId8"/>
+    <p:sldId id="377" r:id="rId9"/>
+    <p:sldId id="394" r:id="rId10"/>
+    <p:sldId id="393" r:id="rId11"/>
   </p:sldIdLst>
   <p:sldSz cx="12192000" cy="6858000"/>
   <p:notesSz cx="6858000" cy="9144000"/>
@@ -119,9 +123,13 @@
           <p14:sldIdLst>
             <p14:sldId id="384"/>
             <p14:sldId id="366"/>
+            <p14:sldId id="400"/>
+            <p14:sldId id="398"/>
+            <p14:sldId id="396"/>
+            <p14:sldId id="399"/>
+            <p14:sldId id="397"/>
             <p14:sldId id="377"/>
             <p14:sldId id="394"/>
-            <p14:sldId id="396"/>
             <p14:sldId id="393"/>
           </p14:sldIdLst>
         </p14:section>
@@ -137,7 +145,7 @@
 <file path=ppt/revisionInfo.xml><?xml version="1.0" encoding="utf-8"?>
 <p1510:revInfo xmlns:a="http://schemas.openxmlformats.org/drawingml/2006/main" xmlns:r="http://schemas.openxmlformats.org/officeDocument/2006/relationships" xmlns:p1510="http://schemas.microsoft.com/office/powerpoint/2015/10/main">
   <p1510:revLst>
-    <p1510:client id="{3832539D-F684-497F-9D69-3993DB74F7C1}" v="5" dt="2022-09-01T18:57:00.620"/>
+    <p1510:client id="{3832539D-F684-497F-9D69-3993DB74F7C1}" v="18" dt="2022-09-01T19:40:32.472"/>
   </p1510:revLst>
 </p1510:revInfo>
 </file>
@@ -146,19 +154,19 @@
 <pc:chgInfo xmlns:a="http://schemas.openxmlformats.org/drawingml/2006/main" xmlns:r="http://schemas.openxmlformats.org/officeDocument/2006/relationships" xmlns:ac="http://schemas.microsoft.com/office/drawing/2013/main/command" xmlns:pc="http://schemas.microsoft.com/office/powerpoint/2013/main/command">
   <pc:docChgLst>
     <pc:chgData name="Jonathan Mah" userId="5261b2f2f3e51194" providerId="LiveId" clId="{3832539D-F684-497F-9D69-3993DB74F7C1}"/>
-    <pc:docChg chg="custSel addSld delSld modSld modSection">
-      <pc:chgData name="Jonathan Mah" userId="5261b2f2f3e51194" providerId="LiveId" clId="{3832539D-F684-497F-9D69-3993DB74F7C1}" dt="2022-09-01T18:57:07.542" v="114" actId="20577"/>
+    <pc:docChg chg="undo custSel addSld delSld modSld sldOrd modSection">
+      <pc:chgData name="Jonathan Mah" userId="5261b2f2f3e51194" providerId="LiveId" clId="{3832539D-F684-497F-9D69-3993DB74F7C1}" dt="2022-09-01T19:43:49.010" v="1304" actId="20577"/>
       <pc:docMkLst>
         <pc:docMk/>
       </pc:docMkLst>
       <pc:sldChg chg="modSp mod">
-        <pc:chgData name="Jonathan Mah" userId="5261b2f2f3e51194" providerId="LiveId" clId="{3832539D-F684-497F-9D69-3993DB74F7C1}" dt="2022-09-01T18:50:14.722" v="62" actId="20577"/>
+        <pc:chgData name="Jonathan Mah" userId="5261b2f2f3e51194" providerId="LiveId" clId="{3832539D-F684-497F-9D69-3993DB74F7C1}" dt="2022-09-01T19:24:16.497" v="647" actId="20577"/>
         <pc:sldMkLst>
           <pc:docMk/>
           <pc:sldMk cId="2977728054" sldId="366"/>
         </pc:sldMkLst>
         <pc:spChg chg="mod">
-          <ac:chgData name="Jonathan Mah" userId="5261b2f2f3e51194" providerId="LiveId" clId="{3832539D-F684-497F-9D69-3993DB74F7C1}" dt="2022-09-01T18:50:14.722" v="62" actId="20577"/>
+          <ac:chgData name="Jonathan Mah" userId="5261b2f2f3e51194" providerId="LiveId" clId="{3832539D-F684-497F-9D69-3993DB74F7C1}" dt="2022-09-01T19:24:16.497" v="647" actId="20577"/>
           <ac:spMkLst>
             <pc:docMk/>
             <pc:sldMk cId="2977728054" sldId="366"/>
@@ -188,7 +196,7 @@
         </pc:sldMkLst>
       </pc:sldChg>
       <pc:sldChg chg="addSp delSp modSp mod">
-        <pc:chgData name="Jonathan Mah" userId="5261b2f2f3e51194" providerId="LiveId" clId="{3832539D-F684-497F-9D69-3993DB74F7C1}" dt="2022-09-01T18:57:01.818" v="108" actId="27614"/>
+        <pc:chgData name="Jonathan Mah" userId="5261b2f2f3e51194" providerId="LiveId" clId="{3832539D-F684-497F-9D69-3993DB74F7C1}" dt="2022-09-01T19:17:31.538" v="257" actId="20577"/>
         <pc:sldMkLst>
           <pc:docMk/>
           <pc:sldMk cId="1930837532" sldId="377"/>
@@ -215,6 +223,22 @@
             <pc:docMk/>
             <pc:sldMk cId="1930837532" sldId="377"/>
             <ac:spMk id="9" creationId="{FE591B4E-2A7D-8EEB-D00C-F77B552A19F4}"/>
+          </ac:spMkLst>
+        </pc:spChg>
+        <pc:spChg chg="add del mod">
+          <ac:chgData name="Jonathan Mah" userId="5261b2f2f3e51194" providerId="LiveId" clId="{3832539D-F684-497F-9D69-3993DB74F7C1}" dt="2022-09-01T19:16:28.652" v="126"/>
+          <ac:spMkLst>
+            <pc:docMk/>
+            <pc:sldMk cId="1930837532" sldId="377"/>
+            <ac:spMk id="12" creationId="{2C8B40C5-182B-DDEA-37B9-BAF6AB6F7E61}"/>
+          </ac:spMkLst>
+        </pc:spChg>
+        <pc:spChg chg="add mod">
+          <ac:chgData name="Jonathan Mah" userId="5261b2f2f3e51194" providerId="LiveId" clId="{3832539D-F684-497F-9D69-3993DB74F7C1}" dt="2022-09-01T19:17:31.538" v="257" actId="20577"/>
+          <ac:spMkLst>
+            <pc:docMk/>
+            <pc:sldMk cId="1930837532" sldId="377"/>
+            <ac:spMk id="13" creationId="{63FCD713-7FFE-49D5-E4B5-F41C7002343D}"/>
           </ac:spMkLst>
         </pc:spChg>
         <pc:picChg chg="add del mod">
@@ -271,12 +295,20 @@
           <pc:sldMk cId="2067307387" sldId="387"/>
         </pc:sldMkLst>
       </pc:sldChg>
-      <pc:sldChg chg="add">
-        <pc:chgData name="Jonathan Mah" userId="5261b2f2f3e51194" providerId="LiveId" clId="{3832539D-F684-497F-9D69-3993DB74F7C1}" dt="2022-09-01T18:51:13.013" v="83"/>
+      <pc:sldChg chg="addSp modSp add mod">
+        <pc:chgData name="Jonathan Mah" userId="5261b2f2f3e51194" providerId="LiveId" clId="{3832539D-F684-497F-9D69-3993DB74F7C1}" dt="2022-09-01T19:17:23.851" v="256" actId="20577"/>
         <pc:sldMkLst>
           <pc:docMk/>
           <pc:sldMk cId="1151831412" sldId="394"/>
         </pc:sldMkLst>
+        <pc:spChg chg="add mod">
+          <ac:chgData name="Jonathan Mah" userId="5261b2f2f3e51194" providerId="LiveId" clId="{3832539D-F684-497F-9D69-3993DB74F7C1}" dt="2022-09-01T19:17:23.851" v="256" actId="20577"/>
+          <ac:spMkLst>
+            <pc:docMk/>
+            <pc:sldMk cId="1151831412" sldId="394"/>
+            <ac:spMk id="4" creationId="{22885571-A632-F4FC-407B-B972C0A2EA34}"/>
+          </ac:spMkLst>
+        </pc:spChg>
       </pc:sldChg>
       <pc:sldChg chg="del">
         <pc:chgData name="Jonathan Mah" userId="5261b2f2f3e51194" providerId="LiveId" clId="{3832539D-F684-497F-9D69-3993DB74F7C1}" dt="2022-09-01T18:45:53.681" v="29" actId="47"/>
@@ -299,8 +331,8 @@
           <pc:sldMk cId="1985354925" sldId="395"/>
         </pc:sldMkLst>
       </pc:sldChg>
-      <pc:sldChg chg="modSp add mod">
-        <pc:chgData name="Jonathan Mah" userId="5261b2f2f3e51194" providerId="LiveId" clId="{3832539D-F684-497F-9D69-3993DB74F7C1}" dt="2022-09-01T18:57:07.542" v="114" actId="20577"/>
+      <pc:sldChg chg="addSp delSp modSp add mod ord">
+        <pc:chgData name="Jonathan Mah" userId="5261b2f2f3e51194" providerId="LiveId" clId="{3832539D-F684-497F-9D69-3993DB74F7C1}" dt="2022-09-01T19:28:44.049" v="744" actId="20577"/>
         <pc:sldMkLst>
           <pc:docMk/>
           <pc:sldMk cId="325441552" sldId="396"/>
@@ -313,6 +345,62 @@
             <ac:spMk id="2" creationId="{DDECB1F4-193F-9752-CBCE-13D62BD690F0}"/>
           </ac:spMkLst>
         </pc:spChg>
+        <pc:spChg chg="add del mod">
+          <ac:chgData name="Jonathan Mah" userId="5261b2f2f3e51194" providerId="LiveId" clId="{3832539D-F684-497F-9D69-3993DB74F7C1}" dt="2022-09-01T19:10:38.172" v="116"/>
+          <ac:spMkLst>
+            <pc:docMk/>
+            <pc:sldMk cId="325441552" sldId="396"/>
+            <ac:spMk id="4" creationId="{82FB6039-70AC-FD12-8F25-D2B7EA066E8F}"/>
+          </ac:spMkLst>
+        </pc:spChg>
+        <pc:spChg chg="add del mod">
+          <ac:chgData name="Jonathan Mah" userId="5261b2f2f3e51194" providerId="LiveId" clId="{3832539D-F684-497F-9D69-3993DB74F7C1}" dt="2022-09-01T19:14:52.293" v="122"/>
+          <ac:spMkLst>
+            <pc:docMk/>
+            <pc:sldMk cId="325441552" sldId="396"/>
+            <ac:spMk id="9" creationId="{060F3909-FAA6-1216-66A7-BE7F6A8E8EF8}"/>
+          </ac:spMkLst>
+        </pc:spChg>
+        <pc:spChg chg="add del mod">
+          <ac:chgData name="Jonathan Mah" userId="5261b2f2f3e51194" providerId="LiveId" clId="{3832539D-F684-497F-9D69-3993DB74F7C1}" dt="2022-09-01T19:18:45.549" v="417" actId="478"/>
+          <ac:spMkLst>
+            <pc:docMk/>
+            <pc:sldMk cId="325441552" sldId="396"/>
+            <ac:spMk id="13" creationId="{3269675D-B5AD-9C7C-E525-2D3D9A99098C}"/>
+          </ac:spMkLst>
+        </pc:spChg>
+        <pc:spChg chg="add mod">
+          <ac:chgData name="Jonathan Mah" userId="5261b2f2f3e51194" providerId="LiveId" clId="{3832539D-F684-497F-9D69-3993DB74F7C1}" dt="2022-09-01T19:28:44.049" v="744" actId="20577"/>
+          <ac:spMkLst>
+            <pc:docMk/>
+            <pc:sldMk cId="325441552" sldId="396"/>
+            <ac:spMk id="15" creationId="{62E75B54-4D24-6F87-AF4C-45D7B8035FB6}"/>
+          </ac:spMkLst>
+        </pc:spChg>
+        <pc:picChg chg="del">
+          <ac:chgData name="Jonathan Mah" userId="5261b2f2f3e51194" providerId="LiveId" clId="{3832539D-F684-497F-9D69-3993DB74F7C1}" dt="2022-09-01T19:01:58.787" v="115" actId="478"/>
+          <ac:picMkLst>
+            <pc:docMk/>
+            <pc:sldMk cId="325441552" sldId="396"/>
+            <ac:picMk id="6" creationId="{702E72AA-2299-83D8-DA6B-46728C7BB2DE}"/>
+          </ac:picMkLst>
+        </pc:picChg>
+        <pc:picChg chg="add del mod">
+          <ac:chgData name="Jonathan Mah" userId="5261b2f2f3e51194" providerId="LiveId" clId="{3832539D-F684-497F-9D69-3993DB74F7C1}" dt="2022-09-01T19:13:34.276" v="119" actId="478"/>
+          <ac:picMkLst>
+            <pc:docMk/>
+            <pc:sldMk cId="325441552" sldId="396"/>
+            <ac:picMk id="7" creationId="{D3200AE9-5E0D-EFBF-85FA-A04A8B05557A}"/>
+          </ac:picMkLst>
+        </pc:picChg>
+        <pc:picChg chg="add mod">
+          <ac:chgData name="Jonathan Mah" userId="5261b2f2f3e51194" providerId="LiveId" clId="{3832539D-F684-497F-9D69-3993DB74F7C1}" dt="2022-09-01T19:14:53.288" v="123" actId="27614"/>
+          <ac:picMkLst>
+            <pc:docMk/>
+            <pc:sldMk cId="325441552" sldId="396"/>
+            <ac:picMk id="11" creationId="{6C220F80-0111-82AA-3236-A473E62FE602}"/>
+          </ac:picMkLst>
+        </pc:picChg>
       </pc:sldChg>
       <pc:sldChg chg="del">
         <pc:chgData name="Jonathan Mah" userId="5261b2f2f3e51194" providerId="LiveId" clId="{3832539D-F684-497F-9D69-3993DB74F7C1}" dt="2022-09-01T18:45:50.853" v="25" actId="47"/>
@@ -328,6 +416,132 @@
           <pc:sldMk cId="3360601672" sldId="397"/>
         </pc:sldMkLst>
       </pc:sldChg>
+      <pc:sldChg chg="addSp modSp add mod ord">
+        <pc:chgData name="Jonathan Mah" userId="5261b2f2f3e51194" providerId="LiveId" clId="{3832539D-F684-497F-9D69-3993DB74F7C1}" dt="2022-09-01T19:22:16.476" v="582"/>
+        <pc:sldMkLst>
+          <pc:docMk/>
+          <pc:sldMk cId="3681635922" sldId="397"/>
+        </pc:sldMkLst>
+        <pc:spChg chg="mod">
+          <ac:chgData name="Jonathan Mah" userId="5261b2f2f3e51194" providerId="LiveId" clId="{3832539D-F684-497F-9D69-3993DB74F7C1}" dt="2022-09-01T19:17:42.869" v="270" actId="20577"/>
+          <ac:spMkLst>
+            <pc:docMk/>
+            <pc:sldMk cId="3681635922" sldId="397"/>
+            <ac:spMk id="2" creationId="{DDECB1F4-193F-9752-CBCE-13D62BD690F0}"/>
+          </ac:spMkLst>
+        </pc:spChg>
+        <pc:spChg chg="add mod">
+          <ac:chgData name="Jonathan Mah" userId="5261b2f2f3e51194" providerId="LiveId" clId="{3832539D-F684-497F-9D69-3993DB74F7C1}" dt="2022-09-01T19:17:37.412" v="264" actId="20577"/>
+          <ac:spMkLst>
+            <pc:docMk/>
+            <pc:sldMk cId="3681635922" sldId="397"/>
+            <ac:spMk id="4" creationId="{394B171A-57D0-E46B-1725-2A9609AFF369}"/>
+          </ac:spMkLst>
+        </pc:spChg>
+      </pc:sldChg>
+      <pc:sldChg chg="addSp delSp modSp add mod ord">
+        <pc:chgData name="Jonathan Mah" userId="5261b2f2f3e51194" providerId="LiveId" clId="{3832539D-F684-497F-9D69-3993DB74F7C1}" dt="2022-09-01T19:43:49.010" v="1304" actId="20577"/>
+        <pc:sldMkLst>
+          <pc:docMk/>
+          <pc:sldMk cId="1489069753" sldId="398"/>
+        </pc:sldMkLst>
+        <pc:spChg chg="add del mod">
+          <ac:chgData name="Jonathan Mah" userId="5261b2f2f3e51194" providerId="LiveId" clId="{3832539D-F684-497F-9D69-3993DB74F7C1}" dt="2022-09-01T19:20:54.484" v="530"/>
+          <ac:spMkLst>
+            <pc:docMk/>
+            <pc:sldMk cId="1489069753" sldId="398"/>
+            <ac:spMk id="4" creationId="{7C560BDE-C8CF-51B0-ABAD-3C08D5D412C4}"/>
+          </ac:spMkLst>
+        </pc:spChg>
+        <pc:spChg chg="add mod">
+          <ac:chgData name="Jonathan Mah" userId="5261b2f2f3e51194" providerId="LiveId" clId="{3832539D-F684-497F-9D69-3993DB74F7C1}" dt="2022-09-01T19:37:44.659" v="1100" actId="1076"/>
+          <ac:spMkLst>
+            <pc:docMk/>
+            <pc:sldMk cId="1489069753" sldId="398"/>
+            <ac:spMk id="8" creationId="{9954D568-C352-4F65-31F8-AF9A783D2FD6}"/>
+          </ac:spMkLst>
+        </pc:spChg>
+        <pc:spChg chg="add mod">
+          <ac:chgData name="Jonathan Mah" userId="5261b2f2f3e51194" providerId="LiveId" clId="{3832539D-F684-497F-9D69-3993DB74F7C1}" dt="2022-09-01T19:43:23.602" v="1226" actId="20577"/>
+          <ac:spMkLst>
+            <pc:docMk/>
+            <pc:sldMk cId="1489069753" sldId="398"/>
+            <ac:spMk id="14" creationId="{0FF0413F-2868-46D0-28DD-1AC9081F2579}"/>
+          </ac:spMkLst>
+        </pc:spChg>
+        <pc:spChg chg="mod">
+          <ac:chgData name="Jonathan Mah" userId="5261b2f2f3e51194" providerId="LiveId" clId="{3832539D-F684-497F-9D69-3993DB74F7C1}" dt="2022-09-01T19:43:49.010" v="1304" actId="20577"/>
+          <ac:spMkLst>
+            <pc:docMk/>
+            <pc:sldMk cId="1489069753" sldId="398"/>
+            <ac:spMk id="15" creationId="{62E75B54-4D24-6F87-AF4C-45D7B8035FB6}"/>
+          </ac:spMkLst>
+        </pc:spChg>
+        <pc:grpChg chg="mod">
+          <ac:chgData name="Jonathan Mah" userId="5261b2f2f3e51194" providerId="LiveId" clId="{3832539D-F684-497F-9D69-3993DB74F7C1}" dt="2022-09-01T19:40:32.472" v="1103"/>
+          <ac:grpSpMkLst>
+            <pc:docMk/>
+            <pc:sldMk cId="1489069753" sldId="398"/>
+            <ac:grpSpMk id="12" creationId="{E9DD533F-D583-AD48-116A-8E30622F449B}"/>
+          </ac:grpSpMkLst>
+        </pc:grpChg>
+        <pc:picChg chg="add mod">
+          <ac:chgData name="Jonathan Mah" userId="5261b2f2f3e51194" providerId="LiveId" clId="{3832539D-F684-497F-9D69-3993DB74F7C1}" dt="2022-09-01T19:20:55.495" v="532" actId="962"/>
+          <ac:picMkLst>
+            <pc:docMk/>
+            <pc:sldMk cId="1489069753" sldId="398"/>
+            <ac:picMk id="6" creationId="{E551AD44-47F7-97FB-F900-0FC68748B70C}"/>
+          </ac:picMkLst>
+        </pc:picChg>
+        <pc:picChg chg="del">
+          <ac:chgData name="Jonathan Mah" userId="5261b2f2f3e51194" providerId="LiveId" clId="{3832539D-F684-497F-9D69-3993DB74F7C1}" dt="2022-09-01T19:20:54.290" v="529" actId="478"/>
+          <ac:picMkLst>
+            <pc:docMk/>
+            <pc:sldMk cId="1489069753" sldId="398"/>
+            <ac:picMk id="11" creationId="{6C220F80-0111-82AA-3236-A473E62FE602}"/>
+          </ac:picMkLst>
+        </pc:picChg>
+        <pc:inkChg chg="add mod">
+          <ac:chgData name="Jonathan Mah" userId="5261b2f2f3e51194" providerId="LiveId" clId="{3832539D-F684-497F-9D69-3993DB74F7C1}" dt="2022-09-01T19:40:32.472" v="1103"/>
+          <ac:inkMkLst>
+            <pc:docMk/>
+            <pc:sldMk cId="1489069753" sldId="398"/>
+            <ac:inkMk id="9" creationId="{740C5D22-F3C6-4A1A-8000-E09EA0E135CF}"/>
+          </ac:inkMkLst>
+        </pc:inkChg>
+        <pc:inkChg chg="add mod">
+          <ac:chgData name="Jonathan Mah" userId="5261b2f2f3e51194" providerId="LiveId" clId="{3832539D-F684-497F-9D69-3993DB74F7C1}" dt="2022-09-01T19:40:32.472" v="1103"/>
+          <ac:inkMkLst>
+            <pc:docMk/>
+            <pc:sldMk cId="1489069753" sldId="398"/>
+            <ac:inkMk id="10" creationId="{9E266F64-F1AB-A96F-82D3-1C3DE97899DA}"/>
+          </ac:inkMkLst>
+        </pc:inkChg>
+        <pc:inkChg chg="add">
+          <ac:chgData name="Jonathan Mah" userId="5261b2f2f3e51194" providerId="LiveId" clId="{3832539D-F684-497F-9D69-3993DB74F7C1}" dt="2022-09-01T19:41:51.589" v="1149" actId="9405"/>
+          <ac:inkMkLst>
+            <pc:docMk/>
+            <pc:sldMk cId="1489069753" sldId="398"/>
+            <ac:inkMk id="16" creationId="{527231FE-6E0D-E77B-E1C0-1F2215FA703F}"/>
+          </ac:inkMkLst>
+        </pc:inkChg>
+        <pc:inkChg chg="add">
+          <ac:chgData name="Jonathan Mah" userId="5261b2f2f3e51194" providerId="LiveId" clId="{3832539D-F684-497F-9D69-3993DB74F7C1}" dt="2022-09-01T19:41:55.973" v="1150" actId="9405"/>
+          <ac:inkMkLst>
+            <pc:docMk/>
+            <pc:sldMk cId="1489069753" sldId="398"/>
+            <ac:inkMk id="17" creationId="{6C20E76D-A166-6757-5103-B9EC968AAACD}"/>
+          </ac:inkMkLst>
+        </pc:inkChg>
+        <pc:inkChg chg="add">
+          <ac:chgData name="Jonathan Mah" userId="5261b2f2f3e51194" providerId="LiveId" clId="{3832539D-F684-497F-9D69-3993DB74F7C1}" dt="2022-09-01T19:42:46.756" v="1151" actId="9405"/>
+          <ac:inkMkLst>
+            <pc:docMk/>
+            <pc:sldMk cId="1489069753" sldId="398"/>
+            <ac:inkMk id="18" creationId="{6027E726-C61E-D6CE-794F-CC794417E758}"/>
+          </ac:inkMkLst>
+        </pc:inkChg>
+      </pc:sldChg>
       <pc:sldChg chg="del">
         <pc:chgData name="Jonathan Mah" userId="5261b2f2f3e51194" providerId="LiveId" clId="{3832539D-F684-497F-9D69-3993DB74F7C1}" dt="2022-09-01T18:45:51.749" v="27" actId="47"/>
         <pc:sldMkLst>
@@ -342,9 +556,223 @@
           <pc:sldMk cId="1061035222" sldId="399"/>
         </pc:sldMkLst>
       </pc:sldChg>
+      <pc:sldChg chg="addSp delSp modSp add mod ord">
+        <pc:chgData name="Jonathan Mah" userId="5261b2f2f3e51194" providerId="LiveId" clId="{3832539D-F684-497F-9D69-3993DB74F7C1}" dt="2022-09-01T19:30:53.431" v="750" actId="20577"/>
+        <pc:sldMkLst>
+          <pc:docMk/>
+          <pc:sldMk cId="4111092087" sldId="399"/>
+        </pc:sldMkLst>
+        <pc:spChg chg="mod">
+          <ac:chgData name="Jonathan Mah" userId="5261b2f2f3e51194" providerId="LiveId" clId="{3832539D-F684-497F-9D69-3993DB74F7C1}" dt="2022-09-01T19:23:58.005" v="641" actId="20577"/>
+          <ac:spMkLst>
+            <pc:docMk/>
+            <pc:sldMk cId="4111092087" sldId="399"/>
+            <ac:spMk id="2" creationId="{DDECB1F4-193F-9752-CBCE-13D62BD690F0}"/>
+          </ac:spMkLst>
+        </pc:spChg>
+        <pc:spChg chg="add del mod">
+          <ac:chgData name="Jonathan Mah" userId="5261b2f2f3e51194" providerId="LiveId" clId="{3832539D-F684-497F-9D69-3993DB74F7C1}" dt="2022-09-01T19:26:24.053" v="722"/>
+          <ac:spMkLst>
+            <pc:docMk/>
+            <pc:sldMk cId="4111092087" sldId="399"/>
+            <ac:spMk id="7" creationId="{36271F31-D07A-F8B1-EDDE-0D3C7CC370C7}"/>
+          </ac:spMkLst>
+        </pc:spChg>
+        <pc:spChg chg="mod">
+          <ac:chgData name="Jonathan Mah" userId="5261b2f2f3e51194" providerId="LiveId" clId="{3832539D-F684-497F-9D69-3993DB74F7C1}" dt="2022-09-01T19:30:53.431" v="750" actId="20577"/>
+          <ac:spMkLst>
+            <pc:docMk/>
+            <pc:sldMk cId="4111092087" sldId="399"/>
+            <ac:spMk id="15" creationId="{62E75B54-4D24-6F87-AF4C-45D7B8035FB6}"/>
+          </ac:spMkLst>
+        </pc:spChg>
+        <pc:picChg chg="add del mod">
+          <ac:chgData name="Jonathan Mah" userId="5261b2f2f3e51194" providerId="LiveId" clId="{3832539D-F684-497F-9D69-3993DB74F7C1}" dt="2022-09-01T19:26:22.659" v="720"/>
+          <ac:picMkLst>
+            <pc:docMk/>
+            <pc:sldMk cId="4111092087" sldId="399"/>
+            <ac:picMk id="4" creationId="{AE6ECE56-26B1-3DC6-10AB-60240E806472}"/>
+          </ac:picMkLst>
+        </pc:picChg>
+        <pc:picChg chg="del">
+          <ac:chgData name="Jonathan Mah" userId="5261b2f2f3e51194" providerId="LiveId" clId="{3832539D-F684-497F-9D69-3993DB74F7C1}" dt="2022-09-01T19:26:23.577" v="721" actId="478"/>
+          <ac:picMkLst>
+            <pc:docMk/>
+            <pc:sldMk cId="4111092087" sldId="399"/>
+            <ac:picMk id="6" creationId="{E551AD44-47F7-97FB-F900-0FC68748B70C}"/>
+          </ac:picMkLst>
+        </pc:picChg>
+        <pc:picChg chg="add mod">
+          <ac:chgData name="Jonathan Mah" userId="5261b2f2f3e51194" providerId="LiveId" clId="{3832539D-F684-497F-9D69-3993DB74F7C1}" dt="2022-09-01T19:26:24.756" v="723" actId="27614"/>
+          <ac:picMkLst>
+            <pc:docMk/>
+            <pc:sldMk cId="4111092087" sldId="399"/>
+            <ac:picMk id="9" creationId="{65844C38-3F05-E286-7439-750F4FF551CE}"/>
+          </ac:picMkLst>
+        </pc:picChg>
+      </pc:sldChg>
+      <pc:sldChg chg="modSp add mod">
+        <pc:chgData name="Jonathan Mah" userId="5261b2f2f3e51194" providerId="LiveId" clId="{3832539D-F684-497F-9D69-3993DB74F7C1}" dt="2022-09-01T19:29:42.710" v="749" actId="27636"/>
+        <pc:sldMkLst>
+          <pc:docMk/>
+          <pc:sldMk cId="136659373" sldId="400"/>
+        </pc:sldMkLst>
+        <pc:spChg chg="mod">
+          <ac:chgData name="Jonathan Mah" userId="5261b2f2f3e51194" providerId="LiveId" clId="{3832539D-F684-497F-9D69-3993DB74F7C1}" dt="2022-09-01T19:24:21.029" v="653" actId="20577"/>
+          <ac:spMkLst>
+            <pc:docMk/>
+            <pc:sldMk cId="136659373" sldId="400"/>
+            <ac:spMk id="2" creationId="{8BCDC7F3-0026-4ABC-A1FB-A556D653FBF1}"/>
+          </ac:spMkLst>
+        </pc:spChg>
+        <pc:spChg chg="mod">
+          <ac:chgData name="Jonathan Mah" userId="5261b2f2f3e51194" providerId="LiveId" clId="{3832539D-F684-497F-9D69-3993DB74F7C1}" dt="2022-09-01T19:29:42.710" v="749" actId="27636"/>
+          <ac:spMkLst>
+            <pc:docMk/>
+            <pc:sldMk cId="136659373" sldId="400"/>
+            <ac:spMk id="3" creationId="{0185D601-86C1-40AA-B68A-90906EDD42C9}"/>
+          </ac:spMkLst>
+        </pc:spChg>
+      </pc:sldChg>
     </pc:docChg>
   </pc:docChgLst>
 </pc:chgInfo>
+</file>
+
+<file path=ppt/ink/ink1.xml><?xml version="1.0" encoding="utf-8"?>
+<inkml:ink xmlns:inkml="http://www.w3.org/2003/InkML">
+  <inkml:definitions>
+    <inkml:context xml:id="ctx0">
+      <inkml:inkSource xml:id="inkSrc0">
+        <inkml:traceFormat>
+          <inkml:channel name="X" type="integer" min="-2.14748E9" max="2.14748E9" units="cm"/>
+          <inkml:channel name="Y" type="integer" min="-2.14748E9" max="2.14748E9" units="cm"/>
+          <inkml:channel name="F" type="integer" max="32767" units="dev"/>
+        </inkml:traceFormat>
+        <inkml:channelProperties>
+          <inkml:channelProperty channel="X" name="resolution" value="1000" units="1/cm"/>
+          <inkml:channelProperty channel="Y" name="resolution" value="1000" units="1/cm"/>
+          <inkml:channelProperty channel="F" name="resolution" value="0" units="1/dev"/>
+        </inkml:channelProperties>
+      </inkml:inkSource>
+      <inkml:timestamp xml:id="ts0" timeString="2022-09-01T19:40:30.501"/>
+    </inkml:context>
+    <inkml:brush xml:id="br0">
+      <inkml:brushProperty name="width" value="0.05" units="cm"/>
+      <inkml:brushProperty name="height" value="0.05" units="cm"/>
+    </inkml:brush>
+  </inkml:definitions>
+  <inkml:trace contextRef="#ctx0" brushRef="#br0">0 1868 24575,'18'6'0,"54"-28"0,93-58 0,72-64 0,44-49 0,28-34-2069,-3-20 2069,-11 8 0,-43 26 0,-48 44 0,-51 44 497,-47 38-497,-35 27 0,-17 18 0,-18 17-6619</inkml:trace>
+</inkml:ink>
+</file>
+
+<file path=ppt/ink/ink2.xml><?xml version="1.0" encoding="utf-8"?>
+<inkml:ink xmlns:inkml="http://www.w3.org/2003/InkML">
+  <inkml:definitions>
+    <inkml:context xml:id="ctx0">
+      <inkml:inkSource xml:id="inkSrc0">
+        <inkml:traceFormat>
+          <inkml:channel name="X" type="integer" min="-2.14748E9" max="2.14748E9" units="cm"/>
+          <inkml:channel name="Y" type="integer" min="-2.14748E9" max="2.14748E9" units="cm"/>
+          <inkml:channel name="F" type="integer" max="32767" units="dev"/>
+        </inkml:traceFormat>
+        <inkml:channelProperties>
+          <inkml:channelProperty channel="X" name="resolution" value="1000" units="1/cm"/>
+          <inkml:channelProperty channel="Y" name="resolution" value="1000" units="1/cm"/>
+          <inkml:channelProperty channel="F" name="resolution" value="0" units="1/dev"/>
+        </inkml:channelProperties>
+      </inkml:inkSource>
+      <inkml:timestamp xml:id="ts0" timeString="2022-09-01T19:40:31.651"/>
+    </inkml:context>
+    <inkml:brush xml:id="br0">
+      <inkml:brushProperty name="width" value="0.05" units="cm"/>
+      <inkml:brushProperty name="height" value="0.05" units="cm"/>
+    </inkml:brush>
+  </inkml:definitions>
+  <inkml:trace contextRef="#ctx0" brushRef="#br0">0 23 24575,'6'6'0,"14"20"0,28 6 0,24-3 0,29-13 0,33-14 0,19-14 0,12-23 0,-3-5 0,-23 4 0,-36 26 0,-35 27 0,-29 46 0,-27 43 0,-15 27 0,-14 9 0,-4-14 0,2-28-8191</inkml:trace>
+</inkml:ink>
+</file>
+
+<file path=ppt/ink/ink3.xml><?xml version="1.0" encoding="utf-8"?>
+<inkml:ink xmlns:inkml="http://www.w3.org/2003/InkML">
+  <inkml:definitions>
+    <inkml:context xml:id="ctx0">
+      <inkml:inkSource xml:id="inkSrc0">
+        <inkml:traceFormat>
+          <inkml:channel name="X" type="integer" min="-2.14748E9" max="2.14748E9" units="cm"/>
+          <inkml:channel name="Y" type="integer" min="-2.14748E9" max="2.14748E9" units="cm"/>
+          <inkml:channel name="F" type="integer" max="32767" units="dev"/>
+        </inkml:traceFormat>
+        <inkml:channelProperties>
+          <inkml:channelProperty channel="X" name="resolution" value="1000" units="1/cm"/>
+          <inkml:channelProperty channel="Y" name="resolution" value="1000" units="1/cm"/>
+          <inkml:channelProperty channel="F" name="resolution" value="0" units="1/dev"/>
+        </inkml:channelProperties>
+      </inkml:inkSource>
+      <inkml:timestamp xml:id="ts0" timeString="2022-09-01T19:41:51.588"/>
+    </inkml:context>
+    <inkml:brush xml:id="br0">
+      <inkml:brushProperty name="width" value="0.05" units="cm"/>
+      <inkml:brushProperty name="height" value="0.05" units="cm"/>
+    </inkml:brush>
+  </inkml:definitions>
+  <inkml:trace contextRef="#ctx0" brushRef="#br0">1 1 24575</inkml:trace>
+</inkml:ink>
+</file>
+
+<file path=ppt/ink/ink4.xml><?xml version="1.0" encoding="utf-8"?>
+<inkml:ink xmlns:inkml="http://www.w3.org/2003/InkML">
+  <inkml:definitions>
+    <inkml:context xml:id="ctx0">
+      <inkml:inkSource xml:id="inkSrc0">
+        <inkml:traceFormat>
+          <inkml:channel name="X" type="integer" min="-2.14748E9" max="2.14748E9" units="cm"/>
+          <inkml:channel name="Y" type="integer" min="-2.14748E9" max="2.14748E9" units="cm"/>
+          <inkml:channel name="F" type="integer" max="32767" units="dev"/>
+        </inkml:traceFormat>
+        <inkml:channelProperties>
+          <inkml:channelProperty channel="X" name="resolution" value="1000" units="1/cm"/>
+          <inkml:channelProperty channel="Y" name="resolution" value="1000" units="1/cm"/>
+          <inkml:channelProperty channel="F" name="resolution" value="0" units="1/dev"/>
+        </inkml:channelProperties>
+      </inkml:inkSource>
+      <inkml:timestamp xml:id="ts0" timeString="2022-09-01T19:41:55.971"/>
+    </inkml:context>
+    <inkml:brush xml:id="br0">
+      <inkml:brushProperty name="width" value="0.05" units="cm"/>
+      <inkml:brushProperty name="height" value="0.05" units="cm"/>
+    </inkml:brush>
+  </inkml:definitions>
+  <inkml:trace contextRef="#ctx0" brushRef="#br0">225 254 24575,'-2'0'0,"1"0"0,-1-1 0,0 1 0,1 0 0,-1-1 0,0 1 0,1-1 0,-1 1 0,1-1 0,-1 0 0,1 0 0,-1 0 0,1 0 0,0 0 0,-1 0 0,1 0 0,0 0 0,0 0 0,0-1 0,0 1 0,0 0 0,0-1 0,0 1 0,0-1 0,0 1 0,1-1 0,-1 0 0,1 1 0,-1-1 0,1 0 0,-1 1 0,1-1 0,0 0 0,0 1 0,0-1 0,0 0 0,1-2 0,-1-2 0,0 1 0,1-1 0,-1 1 0,1 0 0,1-1 0,-1 1 0,1 0 0,0 0 0,0 0 0,5-8 0,-1 5 0,1 0 0,0 1 0,0 0 0,1 0 0,0 0 0,18-10 0,-22 14 0,1 1 0,-1-1 0,1 1 0,0 0 0,0 0 0,0 1 0,1-1 0,-1 1 0,0 0 0,0 1 0,1-1 0,-1 1 0,0 0 0,11 1 0,-15-1 0,-1 0 0,1 0 0,0 0 0,0 0 0,-1 0 0,1 0 0,0 0 0,0 0 0,-1 0 0,1 1 0,0-1 0,0 0 0,-1 0 0,1 1 0,0-1 0,-1 0 0,1 1 0,0-1 0,-1 1 0,1-1 0,-1 1 0,1-1 0,-1 1 0,1-1 0,-1 1 0,1 0 0,-1-1 0,1 1 0,-1 0 0,0-1 0,1 1 0,-1 0 0,0-1 0,0 1 0,0 0 0,1 0 0,-1-1 0,0 1 0,0 0 0,0 0 0,0-1 0,0 1 0,0 0 0,-1 0 0,1-1 0,0 1 0,0 0 0,0 0 0,-1-1 0,1 1 0,0 0 0,-1-1 0,1 1 0,-1 0 0,1-1 0,-1 1 0,1-1 0,-1 1 0,1-1 0,-1 1 0,1-1 0,-1 1 0,-1 0 0,-2 3 0,-1 0 0,0 0 0,0-1 0,0 0 0,-1 0 0,-9 4 0,-66 13 0,86-21 0,4-3 0,0 1 0,0 0 0,1 1 0,-1 0 0,20-2 0,-27 4 0,1 0 0,-1 0 0,1 0 0,0 0 0,-1 1 0,1-1 0,-1 1 0,1 0 0,-1-1 0,1 1 0,-1 0 0,1 0 0,-1 1 0,0-1 0,0 0 0,0 1 0,1-1 0,-1 1 0,-1 0 0,1 0 0,0 0 0,0 0 0,-1 0 0,1 0 0,-1 0 0,1 0 0,-1 1 0,0-1 0,0 1 0,0-1 0,-1 1 0,1-1 0,0 1 0,-1-1 0,1 4 0,-1 2 0,0-1 0,-1 1 0,1-1 0,-1 0 0,-1 1 0,1-1 0,-1 0 0,-1 0 0,1 0 0,-1 0 0,-1-1 0,1 1 0,-1-1 0,0 0 0,0 0 0,-1 0 0,0 0 0,-10 9 0,3-4 0,-1 1 0,0-2 0,-1 0 0,0 0 0,0-1 0,-1-1 0,-21 8 0,29-13 0,1-1 0,-1 0 0,1 0 0,-1-1 0,0 1 0,0-2 0,0 1 0,0-1 0,0 0 0,1 0 0,-1-1 0,0 0 0,0 0 0,0-1 0,1 1 0,-14-7 0,15 6 0,1-1 0,-1-1 0,0 1 0,1-1 0,0 1 0,0-1 0,0-1 0,0 1 0,1 0 0,-1-1 0,1 0 0,0 0 0,1 0 0,-1 0 0,1 0 0,0 0 0,0-1 0,1 1 0,-1-1 0,1 1 0,0-7 0,-1-4 0,0-1 0,1 0 0,1 1 0,0-1 0,2 0 0,0 1 0,7-31 0,-7 40 0,1 1 0,-1 0 0,1 0 0,0 0 0,0 0 0,1 1 0,-1-1 0,1 1 0,1 0 0,-1 0 0,1 0 0,0 1 0,0-1 0,0 1 0,0 0 0,1 1 0,0-1 0,-1 1 0,1 0 0,1 1 0,-1-1 0,10-1 0,-8 2 0,-1 1 0,0 0 0,1 1 0,-1 0 0,0 0 0,1 0 0,-1 1 0,0 0 0,1 0 0,-1 1 0,0 0 0,0 1 0,0-1 0,0 1 0,-1 0 0,1 1 0,-1 0 0,0 0 0,0 0 0,0 1 0,-1 0 0,1 0 0,-1 0 0,0 1 0,-1-1 0,1 1 0,-1 0 0,0 1 0,-1-1 0,1 1 0,-1-1 0,-1 1 0,1 0 0,-1 0 0,0 1 0,-1-1 0,0 0 0,0 0 0,0 1 0,-1-1 0,0 1 0,-1-1 0,0 0 0,-2 12 0,2-16 0,0 1 0,-1-1 0,0 1 0,1-1 0,-1 0 0,0 0 0,0 0 0,-1 0 0,1 0 0,-1 0 0,1-1 0,-1 1 0,0-1 0,0 0 0,0 0 0,0 0 0,0 0 0,-1 0 0,1-1 0,-1 0 0,1 1 0,-1-1 0,1 0 0,-1-1 0,1 1 0,-1-1 0,0 1 0,0-1 0,1 0 0,-1 0 0,-4-1 0,1 0 0,0 1 0,0-1 0,-1 0 0,1-1 0,0 0 0,0 0 0,1 0 0,-1-1 0,0 0 0,1 0 0,0 0 0,-1-1 0,1 0 0,1-1 0,-7-5 0,9 7 0,1 0 0,-1-1 0,1 1 0,-1-1 0,1 0 0,0 0 0,0 0 0,1 0 0,0 0 0,-1 0 0,1 0 0,0-1 0,1 1 0,-1 0 0,1-1 0,0 1 0,0 0 0,0-1 0,1 1 0,-1 0 0,1-1 0,0 1 0,1 0 0,-1 0 0,1 0 0,-1 0 0,1 0 0,0 0 0,1 0 0,-1 1 0,1-1 0,-1 1 0,1-1 0,6-4 0,2-2 0,-1 0 0,1 1 0,0 1 0,1 0 0,0 0 0,0 1 0,1 1 0,0 0 0,24-8 0,-19 9 0,-1 1 0,1 1 0,0 0 0,0 1 0,36 2 0,-49 0 0,0 0 0,1 1 0,-1 0 0,0 0 0,0 0 0,0 1 0,1-1 0,-2 1 0,1 1 0,0-1 0,0 1 0,-1-1 0,1 2 0,-1-1 0,0 0 0,0 1 0,0-1 0,0 1 0,-1 0 0,1 1 0,-1-1 0,0 0 0,-1 1 0,4 7 0,-2-3 0,-1 0 0,0 0 0,0 0 0,-1 0 0,-1 0 0,1 0 0,-2 1 0,1-1 0,-1 0 0,0 1 0,-1-1 0,0 0 0,-1 1 0,-5 17 0,5-22 0,0 0 0,-1 0 0,0 0 0,0-1 0,0 1 0,0-1 0,-1 0 0,1 0 0,-1 0 0,0 0 0,-1 0 0,1-1 0,0 0 0,-1 0 0,0 0 0,0 0 0,0-1 0,0 0 0,0 0 0,0 0 0,-1-1 0,1 0 0,-1 0 0,1 0 0,-1 0 0,-5-1 0,5 0-72,0 0 1,0-1-1,0 1 0,0-1 0,0 0 0,0-1 0,0 0 0,1 0 1,-1 0-1,0 0 0,1-1 0,0 0 0,0 0 0,0-1 0,0 1 1,0-1-1,1 0 0,-7-7 0,-13-17-6754</inkml:trace>
+</inkml:ink>
+</file>
+
+<file path=ppt/ink/ink5.xml><?xml version="1.0" encoding="utf-8"?>
+<inkml:ink xmlns:inkml="http://www.w3.org/2003/InkML">
+  <inkml:definitions>
+    <inkml:context xml:id="ctx0">
+      <inkml:inkSource xml:id="inkSrc0">
+        <inkml:traceFormat>
+          <inkml:channel name="X" type="integer" min="-2.14748E9" max="2.14748E9" units="cm"/>
+          <inkml:channel name="Y" type="integer" min="-2.14748E9" max="2.14748E9" units="cm"/>
+          <inkml:channel name="F" type="integer" max="32767" units="dev"/>
+        </inkml:traceFormat>
+        <inkml:channelProperties>
+          <inkml:channelProperty channel="X" name="resolution" value="1000" units="1/cm"/>
+          <inkml:channelProperty channel="Y" name="resolution" value="1000" units="1/cm"/>
+          <inkml:channelProperty channel="F" name="resolution" value="0" units="1/dev"/>
+        </inkml:channelProperties>
+      </inkml:inkSource>
+      <inkml:timestamp xml:id="ts0" timeString="2022-09-01T19:42:46.754"/>
+    </inkml:context>
+    <inkml:brush xml:id="br0">
+      <inkml:brushProperty name="width" value="0.05" units="cm"/>
+      <inkml:brushProperty name="height" value="0.05" units="cm"/>
+      <inkml:brushProperty name="color" value="#E71224"/>
+    </inkml:brush>
+  </inkml:definitions>
+  <inkml:trace contextRef="#ctx0" brushRef="#br0">135 339 24575,'0'-16'0,"0"-11"0,0 0 0,2 1 0,8-44 0,-9 65 0,0 0 0,0-1 0,1 1 0,-1 1 0,1-1 0,0 0 0,1 0 0,-1 1 0,1-1 0,0 1 0,0 0 0,0 0 0,0 0 0,1 0 0,0 1 0,0-1 0,0 1 0,0 0 0,0 0 0,1 0 0,-1 1 0,1-1 0,0 1 0,-1 0 0,9-1 0,-11 2 0,0 1 0,0 0 0,0 0 0,0 0 0,0 0 0,0 0 0,0 0 0,0 0 0,0 1 0,0-1 0,0 1 0,0-1 0,-1 1 0,1 0 0,0 0 0,0 0 0,0 0 0,-1 0 0,1 0 0,0 0 0,-1 1 0,1-1 0,-1 1 0,0-1 0,1 1 0,-1-1 0,0 1 0,0 0 0,0-1 0,0 1 0,0 0 0,-1 0 0,1 0 0,0 0 0,-1 0 0,0 0 0,1 0 0,-1 0 0,0 0 0,0 3 0,1 1 0,-1 1 0,0 0 0,0-1 0,0 1 0,-1-1 0,0 1 0,-1-1 0,1 0 0,-1 1 0,0-1 0,-5 9 0,6-12 0,-1 0 0,0 0 0,0 0 0,0-1 0,0 1 0,0-1 0,0 1 0,-1-1 0,1 0 0,-1 0 0,1 0 0,-1 0 0,0 0 0,0-1 0,0 1 0,0-1 0,0 0 0,0 0 0,-1 0 0,1 0 0,0 0 0,0-1 0,-1 1 0,-5-1 0,5-1 0,-1 0 0,1 0 0,0-1 0,-1 1 0,1-1 0,0 0 0,0 0 0,0 0 0,0-1 0,1 0 0,-1 1 0,1-1 0,-1 0 0,1-1 0,0 1 0,0-1 0,-2-3 0,-2-2 0,2-1 0,-1 1 0,1-1 0,0 0 0,1 0 0,1 0 0,-1 0 0,-1-13 0,4 20 0,0-1 0,1 0 0,-1 1 0,1-1 0,0 0 0,0 1 0,0-1 0,1 0 0,-1 1 0,1-1 0,0 0 0,0 1 0,0-1 0,0 1 0,1 0 0,0-1 0,-1 1 0,1 0 0,0 0 0,0 0 0,1 0 0,-1 0 0,1 1 0,-1-1 0,1 1 0,0-1 0,4-2 0,-5 4 0,1 0 0,-1-1 0,0 1 0,1 0 0,-1 1 0,0-1 0,1 0 0,-1 1 0,1-1 0,-1 1 0,1 0 0,-1 0 0,1 0 0,0 0 0,-1 0 0,1 0 0,-1 1 0,1-1 0,-1 1 0,0 0 0,1 0 0,-1 0 0,1 0 0,-1 0 0,0 0 0,0 1 0,0-1 0,0 1 0,0-1 0,0 1 0,0 0 0,0 0 0,-1 0 0,1 0 0,-1 0 0,3 4 0,0 1 0,0 1 0,0 0 0,0 0 0,-1 0 0,0 1 0,0-1 0,-1 1 0,0 0 0,0 11 0,-1-9 0,0 1 0,-1-1 0,-1 0 0,0 1 0,0-1 0,-1 0 0,-5 16 0,6-24 0,0 1 0,-1-1 0,0 0 0,0 0 0,0 1 0,0-1 0,0-1 0,-1 1 0,1 0 0,-1 0 0,1-1 0,-1 0 0,0 1 0,0-1 0,0 0 0,-1-1 0,1 1 0,0-1 0,-1 1 0,1-1 0,-1 0 0,1 0 0,-1 0 0,0-1 0,1 1 0,-6-1 0,2 0 0,1 0 0,-1-1 0,1 0 0,0 0 0,-1-1 0,1 0 0,0 0 0,0 0 0,0-1 0,0 1 0,1-1 0,-1-1 0,1 1 0,0-1 0,0 0 0,0 0 0,0-1 0,1 0 0,-1 1 0,1-1 0,0-1 0,1 1 0,0 0 0,-1-1 0,-3-11 0,5 13 0,0 1 0,1-1 0,0 0 0,0 0 0,0 0 0,0 0 0,0-1 0,1 1 0,0 0 0,0 0 0,0 0 0,0 0 0,0-1 0,1 1 0,0 0 0,0 0 0,0 0 0,1 0 0,-1 0 0,1 1 0,0-1 0,0 0 0,0 1 0,0-1 0,1 1 0,-1 0 0,1 0 0,0 0 0,0 0 0,0 0 0,1 0 0,-1 1 0,0 0 0,1-1 0,0 2 0,0-1 0,-1 0 0,1 1 0,7-3 0,4 0 0,0 0 0,0 1 0,0 1 0,0 0 0,0 1 0,30 2 0,-40-1 0,0 0 0,1 1 0,-1 0 0,0 0 0,1 0 0,-1 1 0,0 0 0,0 0 0,0 0 0,0 0 0,-1 1 0,1 0 0,-1 0 0,1 0 0,-1 0 0,0 1 0,0 0 0,0 0 0,-1 0 0,0 0 0,1 1 0,2 6 0,0 3 0,-1 0 0,0 1 0,-1 0 0,-1 0 0,-1 0 0,0 0 0,-1 0 0,0 0 0,-1 1 0,-4 25 0,3-36 0,0 0 0,0 0 0,-1 0 0,1 0 0,-1 0 0,0 0 0,0-1 0,-1 1 0,0-1 0,1 1 0,-1-1 0,-1 0 0,1 0 0,-7 6 0,6-8 0,0 0 0,0 0 0,0 0 0,0 0 0,-1-1 0,1 1 0,0-1 0,-1 0 0,1 0 0,-1-1 0,1 1 0,-1-1 0,1 0 0,-1-1 0,0 1 0,1-1 0,0 1 0,-1-1 0,-6-3 0,-6-1 0,0-1 0,1 0 0,0-2 0,0 0 0,0 0 0,1-1 0,1-1 0,-1-1 0,2 0 0,-1-1 0,-21-25 0,35 36-3,-1 0 0,0 0-1,0 0 1,0 0 0,1 0-1,-1 0 1,0 0 0,1 0-1,-1 0 1,1 0 0,0 0-1,-1-1 1,1 1 0,0 0-1,-1 0 1,1-1 0,0 1-1,0 0 1,0 0 0,0-1-1,1 1 1,-1 0 0,1-2-1,-1 2 14,1 0 0,0 0 0,0 0 0,0 1 0,0-1 0,0 0 0,0 1 0,0-1 0,0 1 0,0-1 0,0 1 0,0 0 0,1-1 0,-1 1 0,0 0 0,0 0 0,0 0-1,0 0 1,2 0 0,6 0-306,1 1-1,-1 0 0,0 0 0,16 6 0,5 4-6529</inkml:trace>
+</inkml:ink>
 </file>
 
 <file path=ppt/notesMasters/notesMaster1.xml><?xml version="1.0" encoding="utf-8"?>
@@ -4036,6 +4464,127 @@
 </p:sld>
 </file>
 
+<file path=ppt/slides/slide10.xml><?xml version="1.0" encoding="utf-8"?>
+<p:sld xmlns:a="http://schemas.openxmlformats.org/drawingml/2006/main" xmlns:r="http://schemas.openxmlformats.org/officeDocument/2006/relationships" xmlns:p="http://schemas.openxmlformats.org/presentationml/2006/main">
+  <p:cSld>
+    <p:spTree>
+      <p:nvGrpSpPr>
+        <p:cNvPr id="1" name=""/>
+        <p:cNvGrpSpPr/>
+        <p:nvPr/>
+      </p:nvGrpSpPr>
+      <p:grpSpPr>
+        <a:xfrm>
+          <a:off x="0" y="0"/>
+          <a:ext cx="0" cy="0"/>
+          <a:chOff x="0" y="0"/>
+          <a:chExt cx="0" cy="0"/>
+        </a:xfrm>
+      </p:grpSpPr>
+      <p:sp>
+        <p:nvSpPr>
+          <p:cNvPr id="2" name="Title 1">
+            <a:extLst>
+              <a:ext uri="{FF2B5EF4-FFF2-40B4-BE49-F238E27FC236}">
+                <a16:creationId xmlns:a16="http://schemas.microsoft.com/office/drawing/2014/main" id="{A602EA1E-DA58-BED5-FDEE-69838F68237F}"/>
+              </a:ext>
+            </a:extLst>
+          </p:cNvPr>
+          <p:cNvSpPr>
+            <a:spLocks noGrp="1"/>
+          </p:cNvSpPr>
+          <p:nvPr>
+            <p:ph type="title"/>
+          </p:nvPr>
+        </p:nvSpPr>
+        <p:spPr/>
+        <p:txBody>
+          <a:bodyPr/>
+          <a:lstStyle/>
+          <a:p>
+            <a:r>
+              <a:rPr lang="en-US"/>
+              <a:t>TODO 20220829</a:t>
+            </a:r>
+          </a:p>
+        </p:txBody>
+      </p:sp>
+      <p:sp>
+        <p:nvSpPr>
+          <p:cNvPr id="3" name="Content Placeholder 2">
+            <a:extLst>
+              <a:ext uri="{FF2B5EF4-FFF2-40B4-BE49-F238E27FC236}">
+                <a16:creationId xmlns:a16="http://schemas.microsoft.com/office/drawing/2014/main" id="{1747A062-6D09-3F49-9719-9EC1D1335A5B}"/>
+              </a:ext>
+            </a:extLst>
+          </p:cNvPr>
+          <p:cNvSpPr>
+            <a:spLocks noGrp="1"/>
+          </p:cNvSpPr>
+          <p:nvPr>
+            <p:ph idx="1"/>
+          </p:nvPr>
+        </p:nvSpPr>
+        <p:spPr/>
+        <p:txBody>
+          <a:bodyPr/>
+          <a:lstStyle/>
+          <a:p>
+            <a:r>
+              <a:rPr lang="en-US"/>
+              <a:t>SFSs for supplement + main text (B. </a:t>
+            </a:r>
+            <a:r>
+              <a:rPr lang="en-US" err="1"/>
+              <a:t>intestinihominis</a:t>
+            </a:r>
+            <a:r>
+              <a:rPr lang="en-US"/>
+              <a:t>)</a:t>
+            </a:r>
+          </a:p>
+          <a:p>
+            <a:r>
+              <a:rPr lang="en-US"/>
+              <a:t>Merge </a:t>
+            </a:r>
+            <a:r>
+              <a:rPr lang="en-US" err="1"/>
+              <a:t>snps</a:t>
+            </a:r>
+            <a:r>
+              <a:rPr lang="en-US"/>
+              <a:t> step with a smaller directory of two files</a:t>
+            </a:r>
+          </a:p>
+          <a:p>
+            <a:r>
+              <a:rPr lang="en-US"/>
+              <a:t>Pi plot, species with &gt;= 5 hosts in both cohorts instead of original list</a:t>
+            </a:r>
+          </a:p>
+          <a:p>
+            <a:pPr lvl="1"/>
+            <a:r>
+              <a:rPr lang="en-US"/>
+              <a:t>Wilcoxon rank sum test</a:t>
+            </a:r>
+          </a:p>
+        </p:txBody>
+      </p:sp>
+    </p:spTree>
+    <p:extLst>
+      <p:ext uri="{BB962C8B-B14F-4D97-AF65-F5344CB8AC3E}">
+        <p14:creationId xmlns:p14="http://schemas.microsoft.com/office/powerpoint/2010/main" val="2897469236"/>
+      </p:ext>
+    </p:extLst>
+  </p:cSld>
+  <p:clrMapOvr>
+    <a:masterClrMapping/>
+  </p:clrMapOvr>
+</p:sld>
+</file>
+
 <file path=ppt/slides/slide2.xml><?xml version="1.0" encoding="utf-8"?>
 <p:sld xmlns:a="http://schemas.openxmlformats.org/drawingml/2006/main" xmlns:r="http://schemas.openxmlformats.org/officeDocument/2006/relationships" xmlns:p="http://schemas.openxmlformats.org/presentationml/2006/main">
   <p:cSld>
@@ -4106,6 +4655,15 @@
             <a:normAutofit/>
           </a:bodyPr>
           <a:lstStyle/>
+          <a:p>
+            <a:r>
+              <a:rPr lang="en-US" dirty="0">
+                <a:latin typeface="Yu Gothic" panose="020B0400000000000000" pitchFamily="34" charset="-128"/>
+                <a:ea typeface="Yu Gothic" panose="020B0400000000000000" pitchFamily="34" charset="-128"/>
+              </a:rPr>
+              <a:t>MIDAS</a:t>
+            </a:r>
+          </a:p>
           <a:p>
             <a:r>
               <a:rPr lang="en-US" dirty="0">
@@ -4161,7 +4719,7 @@
           <p:cNvPr id="2" name="Title 1">
             <a:extLst>
               <a:ext uri="{FF2B5EF4-FFF2-40B4-BE49-F238E27FC236}">
-                <a16:creationId xmlns:a16="http://schemas.microsoft.com/office/drawing/2014/main" id="{DDECB1F4-193F-9752-CBCE-13D62BD690F0}"/>
+                <a16:creationId xmlns:a16="http://schemas.microsoft.com/office/drawing/2014/main" id="{8BCDC7F3-0026-4ABC-A1FB-A556D653FBF1}"/>
               </a:ext>
             </a:extLst>
           </p:cNvPr>
@@ -4178,67 +4736,285 @@
           <a:lstStyle/>
           <a:p>
             <a:r>
-              <a:rPr lang="en-US" dirty="0"/>
-              <a:t>P. </a:t>
-            </a:r>
-            <a:r>
-              <a:rPr lang="en-US" dirty="0" err="1"/>
-              <a:t>Distasonis</a:t>
-            </a:r>
-            <a:r>
-              <a:rPr lang="en-US" dirty="0"/>
-              <a:t> (</a:t>
-            </a:r>
-            <a:r>
-              <a:rPr lang="en-US" dirty="0" err="1"/>
-              <a:t>SymLogNorm</a:t>
-            </a:r>
-            <a:r>
-              <a:rPr lang="en-US" dirty="0"/>
-              <a:t>)</a:t>
-            </a:r>
-          </a:p>
-        </p:txBody>
-      </p:sp>
-      <p:pic>
-        <p:nvPicPr>
-          <p:cNvPr id="11" name="Content Placeholder 10" descr="Chart&#10;&#10;Description automatically generated">
-            <a:extLst>
-              <a:ext uri="{FF2B5EF4-FFF2-40B4-BE49-F238E27FC236}">
-                <a16:creationId xmlns:a16="http://schemas.microsoft.com/office/drawing/2014/main" id="{0811B890-B648-64CC-7DDF-192F4C860643}"/>
-              </a:ext>
-            </a:extLst>
-          </p:cNvPr>
-          <p:cNvPicPr>
-            <a:picLocks noGrp="1" noChangeAspect="1"/>
-          </p:cNvPicPr>
+              <a:rPr lang="en-US" dirty="0">
+                <a:latin typeface="Yu Gothic" panose="020B0400000000000000" pitchFamily="34" charset="-128"/>
+                <a:ea typeface="Yu Gothic" panose="020B0400000000000000" pitchFamily="34" charset="-128"/>
+              </a:rPr>
+              <a:t>MIDAS</a:t>
+            </a:r>
+          </a:p>
+        </p:txBody>
+      </p:sp>
+      <p:sp>
+        <p:nvSpPr>
+          <p:cNvPr id="3" name="Content Placeholder 2">
+            <a:extLst>
+              <a:ext uri="{FF2B5EF4-FFF2-40B4-BE49-F238E27FC236}">
+                <a16:creationId xmlns:a16="http://schemas.microsoft.com/office/drawing/2014/main" id="{0185D601-86C1-40AA-B68A-90906EDD42C9}"/>
+              </a:ext>
+            </a:extLst>
+          </p:cNvPr>
+          <p:cNvSpPr>
+            <a:spLocks noGrp="1"/>
+          </p:cNvSpPr>
           <p:nvPr>
             <p:ph idx="1"/>
           </p:nvPr>
-        </p:nvPicPr>
-        <p:blipFill>
-          <a:blip r:embed="rId2">
-            <a:extLst>
-              <a:ext uri="{28A0092B-C50C-407E-A947-70E740481C1C}">
-                <a14:useLocalDpi xmlns:a14="http://schemas.microsoft.com/office/drawing/2010/main" val="0"/>
-              </a:ext>
-            </a:extLst>
-          </a:blip>
-          <a:stretch>
-            <a:fillRect/>
-          </a:stretch>
-        </p:blipFill>
-        <p:spPr>
-          <a:xfrm>
-            <a:off x="3195108" y="1825625"/>
-            <a:ext cx="5801784" cy="4351338"/>
-          </a:xfrm>
-        </p:spPr>
-      </p:pic>
+        </p:nvSpPr>
+        <p:spPr/>
+        <p:txBody>
+          <a:bodyPr>
+            <a:normAutofit fontScale="47500" lnSpcReduction="20000"/>
+          </a:bodyPr>
+          <a:lstStyle/>
+          <a:p>
+            <a:r>
+              <a:rPr lang="en-US" dirty="0">
+                <a:latin typeface="Yu Gothic" panose="020B0400000000000000" pitchFamily="34" charset="-128"/>
+                <a:ea typeface="Yu Gothic" panose="020B0400000000000000" pitchFamily="34" charset="-128"/>
+              </a:rPr>
+              <a:t>Missing 21 species from </a:t>
+            </a:r>
+            <a:r>
+              <a:rPr lang="en-US" dirty="0" err="1">
+                <a:latin typeface="Yu Gothic" panose="020B0400000000000000" pitchFamily="34" charset="-128"/>
+                <a:ea typeface="Yu Gothic" panose="020B0400000000000000" pitchFamily="34" charset="-128"/>
+              </a:rPr>
+              <a:t>snps</a:t>
+            </a:r>
+            <a:r>
+              <a:rPr lang="en-US" dirty="0">
+                <a:latin typeface="Yu Gothic" panose="020B0400000000000000" pitchFamily="34" charset="-128"/>
+                <a:ea typeface="Yu Gothic" panose="020B0400000000000000" pitchFamily="34" charset="-128"/>
+              </a:rPr>
+              <a:t> output</a:t>
+            </a:r>
+          </a:p>
+          <a:p>
+            <a:pPr lvl="1"/>
+            <a:r>
+              <a:rPr lang="en-US" dirty="0">
+                <a:latin typeface="Yu Gothic" panose="020B0400000000000000" pitchFamily="34" charset="-128"/>
+                <a:ea typeface="Yu Gothic" panose="020B0400000000000000" pitchFamily="34" charset="-128"/>
+              </a:rPr>
+              <a:t>Actinomyces_viscosus_57672</a:t>
+            </a:r>
+          </a:p>
+          <a:p>
+            <a:pPr lvl="1"/>
+            <a:r>
+              <a:rPr lang="en-US" dirty="0">
+                <a:latin typeface="Yu Gothic" panose="020B0400000000000000" pitchFamily="34" charset="-128"/>
+                <a:ea typeface="Yu Gothic" panose="020B0400000000000000" pitchFamily="34" charset="-128"/>
+              </a:rPr>
+              <a:t>Fusobacterium_periodonticum_58002</a:t>
+            </a:r>
+          </a:p>
+          <a:p>
+            <a:pPr lvl="1"/>
+            <a:r>
+              <a:rPr lang="en-US" dirty="0">
+                <a:latin typeface="Yu Gothic" panose="020B0400000000000000" pitchFamily="34" charset="-128"/>
+                <a:ea typeface="Yu Gothic" panose="020B0400000000000000" pitchFamily="34" charset="-128"/>
+              </a:rPr>
+              <a:t>Gemella_haemolysans_61762</a:t>
+            </a:r>
+          </a:p>
+          <a:p>
+            <a:pPr lvl="1"/>
+            <a:r>
+              <a:rPr lang="en-US" dirty="0">
+                <a:latin typeface="Yu Gothic" panose="020B0400000000000000" pitchFamily="34" charset="-128"/>
+                <a:ea typeface="Yu Gothic" panose="020B0400000000000000" pitchFamily="34" charset="-128"/>
+              </a:rPr>
+              <a:t>Granulicatella_elegans_61945</a:t>
+            </a:r>
+          </a:p>
+          <a:p>
+            <a:pPr lvl="1"/>
+            <a:r>
+              <a:rPr lang="en-US" dirty="0">
+                <a:latin typeface="Yu Gothic" panose="020B0400000000000000" pitchFamily="34" charset="-128"/>
+                <a:ea typeface="Yu Gothic" panose="020B0400000000000000" pitchFamily="34" charset="-128"/>
+              </a:rPr>
+              <a:t>Haemophilus_parahaemolyticus_60505</a:t>
+            </a:r>
+          </a:p>
+          <a:p>
+            <a:pPr lvl="1"/>
+            <a:r>
+              <a:rPr lang="en-US" dirty="0">
+                <a:latin typeface="Yu Gothic" panose="020B0400000000000000" pitchFamily="34" charset="-128"/>
+                <a:ea typeface="Yu Gothic" panose="020B0400000000000000" pitchFamily="34" charset="-128"/>
+              </a:rPr>
+              <a:t>Haemophilus_parainfluenzae_57123</a:t>
+            </a:r>
+          </a:p>
+          <a:p>
+            <a:pPr lvl="1"/>
+            <a:r>
+              <a:rPr lang="en-US" dirty="0">
+                <a:latin typeface="Yu Gothic" panose="020B0400000000000000" pitchFamily="34" charset="-128"/>
+                <a:ea typeface="Yu Gothic" panose="020B0400000000000000" pitchFamily="34" charset="-128"/>
+              </a:rPr>
+              <a:t>Haemophilus_parainfluenzae_62356</a:t>
+            </a:r>
+          </a:p>
+          <a:p>
+            <a:pPr lvl="1"/>
+            <a:r>
+              <a:rPr lang="en-US" dirty="0">
+                <a:latin typeface="Yu Gothic" panose="020B0400000000000000" pitchFamily="34" charset="-128"/>
+                <a:ea typeface="Yu Gothic" panose="020B0400000000000000" pitchFamily="34" charset="-128"/>
+              </a:rPr>
+              <a:t>Haemophilus_parainfluenzae_62468</a:t>
+            </a:r>
+          </a:p>
+          <a:p>
+            <a:pPr lvl="1"/>
+            <a:r>
+              <a:rPr lang="en-US" dirty="0">
+                <a:latin typeface="Yu Gothic" panose="020B0400000000000000" pitchFamily="34" charset="-128"/>
+                <a:ea typeface="Yu Gothic" panose="020B0400000000000000" pitchFamily="34" charset="-128"/>
+              </a:rPr>
+              <a:t>Haemophilus_paraphrohaemolyticus_58563</a:t>
+            </a:r>
+          </a:p>
+          <a:p>
+            <a:pPr lvl="1"/>
+            <a:r>
+              <a:rPr lang="en-US" dirty="0">
+                <a:latin typeface="Yu Gothic" panose="020B0400000000000000" pitchFamily="34" charset="-128"/>
+                <a:ea typeface="Yu Gothic" panose="020B0400000000000000" pitchFamily="34" charset="-128"/>
+              </a:rPr>
+              <a:t>Haemophilus_sputorum_53575</a:t>
+            </a:r>
+          </a:p>
+          <a:p>
+            <a:pPr lvl="1"/>
+            <a:r>
+              <a:rPr lang="en-US" dirty="0">
+                <a:latin typeface="Yu Gothic" panose="020B0400000000000000" pitchFamily="34" charset="-128"/>
+                <a:ea typeface="Yu Gothic" panose="020B0400000000000000" pitchFamily="34" charset="-128"/>
+              </a:rPr>
+              <a:t>Neisseria_sp_61995</a:t>
+            </a:r>
+          </a:p>
+          <a:p>
+            <a:pPr lvl="1"/>
+            <a:r>
+              <a:rPr lang="en-US" dirty="0">
+                <a:latin typeface="Yu Gothic" panose="020B0400000000000000" pitchFamily="34" charset="-128"/>
+                <a:ea typeface="Yu Gothic" panose="020B0400000000000000" pitchFamily="34" charset="-128"/>
+              </a:rPr>
+              <a:t>Porphyromonas_sp_57899</a:t>
+            </a:r>
+          </a:p>
+          <a:p>
+            <a:pPr lvl="1"/>
+            <a:r>
+              <a:rPr lang="en-US" dirty="0">
+                <a:latin typeface="Yu Gothic" panose="020B0400000000000000" pitchFamily="34" charset="-128"/>
+                <a:ea typeface="Yu Gothic" panose="020B0400000000000000" pitchFamily="34" charset="-128"/>
+              </a:rPr>
+              <a:t>Prevotella_nanceiensis_44721</a:t>
+            </a:r>
+          </a:p>
+          <a:p>
+            <a:pPr lvl="1"/>
+            <a:r>
+              <a:rPr lang="en-US" dirty="0">
+                <a:latin typeface="Yu Gothic" panose="020B0400000000000000" pitchFamily="34" charset="-128"/>
+                <a:ea typeface="Yu Gothic" panose="020B0400000000000000" pitchFamily="34" charset="-128"/>
+              </a:rPr>
+              <a:t>Prevotella_sp_61856</a:t>
+            </a:r>
+          </a:p>
+          <a:p>
+            <a:pPr lvl="1"/>
+            <a:r>
+              <a:rPr lang="en-US" dirty="0">
+                <a:latin typeface="Yu Gothic" panose="020B0400000000000000" pitchFamily="34" charset="-128"/>
+                <a:ea typeface="Yu Gothic" panose="020B0400000000000000" pitchFamily="34" charset="-128"/>
+              </a:rPr>
+              <a:t>Rothia_mucilaginosa_58144</a:t>
+            </a:r>
+          </a:p>
+          <a:p>
+            <a:pPr lvl="1"/>
+            <a:r>
+              <a:rPr lang="en-US" dirty="0">
+                <a:latin typeface="Yu Gothic" panose="020B0400000000000000" pitchFamily="34" charset="-128"/>
+                <a:ea typeface="Yu Gothic" panose="020B0400000000000000" pitchFamily="34" charset="-128"/>
+              </a:rPr>
+              <a:t>Streptococcus_parasanguinis_58487</a:t>
+            </a:r>
+          </a:p>
+          <a:p>
+            <a:pPr lvl="1"/>
+            <a:r>
+              <a:rPr lang="en-US" dirty="0">
+                <a:latin typeface="Yu Gothic" panose="020B0400000000000000" pitchFamily="34" charset="-128"/>
+                <a:ea typeface="Yu Gothic" panose="020B0400000000000000" pitchFamily="34" charset="-128"/>
+              </a:rPr>
+              <a:t>Streptococcus_sp_57750</a:t>
+            </a:r>
+          </a:p>
+          <a:p>
+            <a:pPr lvl="1"/>
+            <a:r>
+              <a:rPr lang="en-US" dirty="0">
+                <a:latin typeface="Yu Gothic" panose="020B0400000000000000" pitchFamily="34" charset="-128"/>
+                <a:ea typeface="Yu Gothic" panose="020B0400000000000000" pitchFamily="34" charset="-128"/>
+              </a:rPr>
+              <a:t>Streptococcus_sp_61820</a:t>
+            </a:r>
+          </a:p>
+          <a:p>
+            <a:pPr lvl="1"/>
+            <a:r>
+              <a:rPr lang="en-US" dirty="0">
+                <a:latin typeface="Yu Gothic" panose="020B0400000000000000" pitchFamily="34" charset="-128"/>
+                <a:ea typeface="Yu Gothic" panose="020B0400000000000000" pitchFamily="34" charset="-128"/>
+              </a:rPr>
+              <a:t>Streptococcus_vestibularis_56030</a:t>
+            </a:r>
+          </a:p>
+          <a:p>
+            <a:pPr lvl="1"/>
+            <a:r>
+              <a:rPr lang="en-US" dirty="0">
+                <a:latin typeface="Yu Gothic" panose="020B0400000000000000" pitchFamily="34" charset="-128"/>
+                <a:ea typeface="Yu Gothic" panose="020B0400000000000000" pitchFamily="34" charset="-128"/>
+              </a:rPr>
+              <a:t>Veillonella_sp_62404</a:t>
+            </a:r>
+          </a:p>
+          <a:p>
+            <a:pPr lvl="1"/>
+            <a:r>
+              <a:rPr lang="en-US" dirty="0">
+                <a:latin typeface="Yu Gothic" panose="020B0400000000000000" pitchFamily="34" charset="-128"/>
+                <a:ea typeface="Yu Gothic" panose="020B0400000000000000" pitchFamily="34" charset="-128"/>
+              </a:rPr>
+              <a:t>Veillonella_sp_62611</a:t>
+            </a:r>
+          </a:p>
+          <a:p>
+            <a:r>
+              <a:rPr lang="en-US" dirty="0">
+                <a:latin typeface="Yu Gothic" panose="020B0400000000000000" pitchFamily="34" charset="-128"/>
+                <a:ea typeface="Yu Gothic" panose="020B0400000000000000" pitchFamily="34" charset="-128"/>
+              </a:rPr>
+              <a:t>Will contact Raffaella</a:t>
+            </a:r>
+          </a:p>
+        </p:txBody>
+      </p:sp>
     </p:spTree>
     <p:extLst>
       <p:ext uri="{BB962C8B-B14F-4D97-AF65-F5344CB8AC3E}">
-        <p14:creationId xmlns:p14="http://schemas.microsoft.com/office/powerpoint/2010/main" val="1930837532"/>
+        <p14:creationId xmlns:p14="http://schemas.microsoft.com/office/powerpoint/2010/main" val="136659373"/>
       </p:ext>
     </p:extLst>
   </p:cSld>
@@ -4300,7 +5076,7 @@
             </a:r>
             <a:r>
               <a:rPr lang="en-US" dirty="0" err="1"/>
-              <a:t>CenteredNorm</a:t>
+              <a:t>CustomNorm</a:t>
             </a:r>
             <a:r>
               <a:rPr lang="en-US" dirty="0"/>
@@ -4309,12 +5085,190 @@
           </a:p>
         </p:txBody>
       </p:sp>
+      <p:sp>
+        <p:nvSpPr>
+          <p:cNvPr id="15" name="TextBox 14">
+            <a:extLst>
+              <a:ext uri="{FF2B5EF4-FFF2-40B4-BE49-F238E27FC236}">
+                <a16:creationId xmlns:a16="http://schemas.microsoft.com/office/drawing/2014/main" id="{62E75B54-4D24-6F87-AF4C-45D7B8035FB6}"/>
+              </a:ext>
+            </a:extLst>
+          </p:cNvPr>
+          <p:cNvSpPr txBox="1"/>
+          <p:nvPr/>
+        </p:nvSpPr>
+        <p:spPr>
+          <a:xfrm>
+            <a:off x="8936750" y="0"/>
+            <a:ext cx="3255250" cy="5909310"/>
+          </a:xfrm>
+          <a:prstGeom prst="rect">
+            <a:avLst/>
+          </a:prstGeom>
+          <a:noFill/>
+        </p:spPr>
+        <p:txBody>
+          <a:bodyPr wrap="none" rtlCol="0">
+            <a:spAutoFit/>
+          </a:bodyPr>
+          <a:lstStyle/>
+          <a:p>
+            <a:r>
+              <a:rPr lang="en-US" dirty="0"/>
+              <a:t>Color distribution is split evenly</a:t>
+            </a:r>
+          </a:p>
+          <a:p>
+            <a:r>
+              <a:rPr lang="en-US" dirty="0"/>
+              <a:t>between top 20 percent and</a:t>
+            </a:r>
+            <a:br>
+              <a:rPr lang="en-US" dirty="0"/>
+            </a:br>
+            <a:r>
+              <a:rPr lang="en-US" dirty="0"/>
+              <a:t>bottom 80</a:t>
+            </a:r>
+          </a:p>
+          <a:p>
+            <a:endParaRPr lang="en-US" dirty="0"/>
+          </a:p>
+          <a:p>
+            <a:r>
+              <a:rPr lang="en-US" dirty="0"/>
+              <a:t>This is what I’m thinking of going</a:t>
+            </a:r>
+          </a:p>
+          <a:p>
+            <a:r>
+              <a:rPr lang="en-US" dirty="0"/>
+              <a:t>With</a:t>
+            </a:r>
+          </a:p>
+          <a:p>
+            <a:endParaRPr lang="en-US" dirty="0"/>
+          </a:p>
+          <a:p>
+            <a:endParaRPr lang="en-US" dirty="0"/>
+          </a:p>
+          <a:p>
+            <a:r>
+              <a:rPr lang="en-US" b="1" dirty="0"/>
+              <a:t>Kirk’s  Suggestions</a:t>
+            </a:r>
+          </a:p>
+          <a:p>
+            <a:pPr marL="285750" indent="-285750">
+              <a:buFont typeface="Arial" panose="020B0604020202020204" pitchFamily="34" charset="0"/>
+              <a:buChar char="•"/>
+            </a:pPr>
+            <a:r>
+              <a:rPr lang="en-US" dirty="0"/>
+              <a:t>Maybe make everything</a:t>
+            </a:r>
+            <a:br>
+              <a:rPr lang="en-US" dirty="0"/>
+            </a:br>
+            <a:r>
+              <a:rPr lang="en-US" dirty="0"/>
+              <a:t>below a certain threshold</a:t>
+            </a:r>
+            <a:br>
+              <a:rPr lang="en-US" dirty="0"/>
+            </a:br>
+            <a:r>
+              <a:rPr lang="en-US" dirty="0"/>
+              <a:t>just a “bad color”</a:t>
+            </a:r>
+          </a:p>
+          <a:p>
+            <a:pPr marL="285750" indent="-285750">
+              <a:buFont typeface="Arial" panose="020B0604020202020204" pitchFamily="34" charset="0"/>
+              <a:buChar char="•"/>
+            </a:pPr>
+            <a:r>
+              <a:rPr lang="en-US" dirty="0"/>
+              <a:t>Maybe make everything</a:t>
+            </a:r>
+            <a:br>
+              <a:rPr lang="en-US" dirty="0"/>
+            </a:br>
+            <a:r>
+              <a:rPr lang="en-US" dirty="0"/>
+              <a:t>above a certain threshold</a:t>
+            </a:r>
+            <a:br>
+              <a:rPr lang="en-US" dirty="0"/>
+            </a:br>
+            <a:r>
+              <a:rPr lang="en-US" dirty="0"/>
+              <a:t>a “good color”</a:t>
+            </a:r>
+          </a:p>
+          <a:p>
+            <a:pPr marL="285750" indent="-285750">
+              <a:buFont typeface="Arial" panose="020B0604020202020204" pitchFamily="34" charset="0"/>
+              <a:buChar char="•"/>
+            </a:pPr>
+            <a:r>
+              <a:rPr lang="en-US" dirty="0"/>
+              <a:t>Maybe make tick marks at</a:t>
+            </a:r>
+            <a:br>
+              <a:rPr lang="en-US" dirty="0"/>
+            </a:br>
+            <a:r>
+              <a:rPr lang="en-US" dirty="0"/>
+              <a:t>points relative to best</a:t>
+            </a:r>
+          </a:p>
+          <a:p>
+            <a:pPr marL="285750" indent="-285750">
+              <a:buFont typeface="Arial" panose="020B0604020202020204" pitchFamily="34" charset="0"/>
+              <a:buChar char="•"/>
+            </a:pPr>
+            <a:r>
+              <a:rPr lang="en-US" dirty="0"/>
+              <a:t>Breakpoints: -3, -6, -10, -15, </a:t>
+            </a:r>
+            <a:br>
+              <a:rPr lang="en-US" dirty="0"/>
+            </a:br>
+            <a:r>
+              <a:rPr lang="en-US" dirty="0"/>
+              <a:t>&lt;-15</a:t>
+            </a:r>
+          </a:p>
+          <a:p>
+            <a:pPr marL="285750" indent="-285750">
+              <a:buFont typeface="Arial" panose="020B0604020202020204" pitchFamily="34" charset="0"/>
+              <a:buChar char="•"/>
+            </a:pPr>
+            <a:r>
+              <a:rPr lang="en-US" dirty="0"/>
+              <a:t>Add star or dot around MLE</a:t>
+            </a:r>
+            <a:br>
+              <a:rPr lang="en-US" dirty="0"/>
+            </a:br>
+            <a:r>
+              <a:rPr lang="en-US" dirty="0"/>
+              <a:t>(inferred, </a:t>
+            </a:r>
+            <a:r>
+              <a:rPr lang="en-US"/>
+              <a:t>not given)</a:t>
+            </a:r>
+          </a:p>
+        </p:txBody>
+      </p:sp>
       <p:pic>
         <p:nvPicPr>
-          <p:cNvPr id="6" name="Content Placeholder 5" descr="Chart, histogram&#10;&#10;Description automatically generated">
-            <a:extLst>
-              <a:ext uri="{FF2B5EF4-FFF2-40B4-BE49-F238E27FC236}">
-                <a16:creationId xmlns:a16="http://schemas.microsoft.com/office/drawing/2014/main" id="{702E72AA-2299-83D8-DA6B-46728C7BB2DE}"/>
+          <p:cNvPr id="6" name="Content Placeholder 5" descr="Chart, bar chart&#10;&#10;Description automatically generated">
+            <a:extLst>
+              <a:ext uri="{FF2B5EF4-FFF2-40B4-BE49-F238E27FC236}">
+                <a16:creationId xmlns:a16="http://schemas.microsoft.com/office/drawing/2014/main" id="{E551AD44-47F7-97FB-F900-0FC68748B70C}"/>
               </a:ext>
             </a:extLst>
           </p:cNvPr>
@@ -4344,10 +5298,387 @@
           </a:xfrm>
         </p:spPr>
       </p:pic>
+      <p:sp>
+        <p:nvSpPr>
+          <p:cNvPr id="8" name="TextBox 7">
+            <a:extLst>
+              <a:ext uri="{FF2B5EF4-FFF2-40B4-BE49-F238E27FC236}">
+                <a16:creationId xmlns:a16="http://schemas.microsoft.com/office/drawing/2014/main" id="{9954D568-C352-4F65-31F8-AF9A783D2FD6}"/>
+              </a:ext>
+            </a:extLst>
+          </p:cNvPr>
+          <p:cNvSpPr txBox="1"/>
+          <p:nvPr/>
+        </p:nvSpPr>
+        <p:spPr>
+          <a:xfrm>
+            <a:off x="7899612" y="2677656"/>
+            <a:ext cx="489236" cy="369332"/>
+          </a:xfrm>
+          <a:prstGeom prst="rect">
+            <a:avLst/>
+          </a:prstGeom>
+          <a:noFill/>
+        </p:spPr>
+        <p:txBody>
+          <a:bodyPr wrap="none" rtlCol="0">
+            <a:spAutoFit/>
+          </a:bodyPr>
+          <a:lstStyle/>
+          <a:p>
+            <a:r>
+              <a:rPr lang="en-US" dirty="0"/>
+              <a:t>-66</a:t>
+            </a:r>
+          </a:p>
+        </p:txBody>
+      </p:sp>
+      <p:grpSp>
+        <p:nvGrpSpPr>
+          <p:cNvPr id="12" name="Group 11">
+            <a:extLst>
+              <a:ext uri="{FF2B5EF4-FFF2-40B4-BE49-F238E27FC236}">
+                <a16:creationId xmlns:a16="http://schemas.microsoft.com/office/drawing/2014/main" id="{E9DD533F-D583-AD48-116A-8E30622F449B}"/>
+              </a:ext>
+            </a:extLst>
+          </p:cNvPr>
+          <p:cNvGrpSpPr/>
+          <p:nvPr/>
+        </p:nvGrpSpPr>
+        <p:grpSpPr>
+          <a:xfrm>
+            <a:off x="1701760" y="1947460"/>
+            <a:ext cx="1151280" cy="950400"/>
+            <a:chOff x="1701760" y="1947460"/>
+            <a:chExt cx="1151280" cy="950400"/>
+          </a:xfrm>
+        </p:grpSpPr>
+        <mc:AlternateContent xmlns:mc="http://schemas.openxmlformats.org/markup-compatibility/2006">
+          <mc:Choice xmlns:p14="http://schemas.microsoft.com/office/powerpoint/2010/main" Requires="p14">
+            <p:contentPart p14:bwMode="auto" r:id="rId3">
+              <p14:nvContentPartPr>
+                <p14:cNvPr id="9" name="Ink 8">
+                  <a:extLst>
+                    <a:ext uri="{FF2B5EF4-FFF2-40B4-BE49-F238E27FC236}">
+                      <a16:creationId xmlns:a16="http://schemas.microsoft.com/office/drawing/2014/main" id="{740C5D22-F3C6-4A1A-8000-E09EA0E135CF}"/>
+                    </a:ext>
+                  </a:extLst>
+                </p14:cNvPr>
+                <p14:cNvContentPartPr/>
+                <p14:nvPr/>
+              </p14:nvContentPartPr>
+              <p14:xfrm>
+                <a:off x="1701760" y="2223220"/>
+                <a:ext cx="921240" cy="674640"/>
+              </p14:xfrm>
+            </p:contentPart>
+          </mc:Choice>
+          <mc:Fallback>
+            <p:pic>
+              <p:nvPicPr>
+                <p:cNvPr id="9" name="Ink 8">
+                  <a:extLst>
+                    <a:ext uri="{FF2B5EF4-FFF2-40B4-BE49-F238E27FC236}">
+                      <a16:creationId xmlns:a16="http://schemas.microsoft.com/office/drawing/2014/main" id="{740C5D22-F3C6-4A1A-8000-E09EA0E135CF}"/>
+                    </a:ext>
+                  </a:extLst>
+                </p:cNvPr>
+                <p:cNvPicPr/>
+                <p:nvPr/>
+              </p:nvPicPr>
+              <p:blipFill>
+                <a:blip r:embed="rId4"/>
+                <a:stretch>
+                  <a:fillRect/>
+                </a:stretch>
+              </p:blipFill>
+              <p:spPr>
+                <a:xfrm>
+                  <a:off x="1692760" y="2214580"/>
+                  <a:ext cx="938880" cy="692280"/>
+                </a:xfrm>
+                <a:prstGeom prst="rect">
+                  <a:avLst/>
+                </a:prstGeom>
+              </p:spPr>
+            </p:pic>
+          </mc:Fallback>
+        </mc:AlternateContent>
+        <mc:AlternateContent xmlns:mc="http://schemas.openxmlformats.org/markup-compatibility/2006">
+          <mc:Choice xmlns:p14="http://schemas.microsoft.com/office/powerpoint/2010/main" Requires="p14">
+            <p:contentPart p14:bwMode="auto" r:id="rId5">
+              <p14:nvContentPartPr>
+                <p14:cNvPr id="10" name="Ink 9">
+                  <a:extLst>
+                    <a:ext uri="{FF2B5EF4-FFF2-40B4-BE49-F238E27FC236}">
+                      <a16:creationId xmlns:a16="http://schemas.microsoft.com/office/drawing/2014/main" id="{9E266F64-F1AB-A96F-82D3-1C3DE97899DA}"/>
+                    </a:ext>
+                  </a:extLst>
+                </p14:cNvPr>
+                <p14:cNvContentPartPr/>
+                <p14:nvPr/>
+              </p14:nvContentPartPr>
+              <p14:xfrm>
+                <a:off x="2412760" y="1947460"/>
+                <a:ext cx="440280" cy="248400"/>
+              </p14:xfrm>
+            </p:contentPart>
+          </mc:Choice>
+          <mc:Fallback>
+            <p:pic>
+              <p:nvPicPr>
+                <p:cNvPr id="10" name="Ink 9">
+                  <a:extLst>
+                    <a:ext uri="{FF2B5EF4-FFF2-40B4-BE49-F238E27FC236}">
+                      <a16:creationId xmlns:a16="http://schemas.microsoft.com/office/drawing/2014/main" id="{9E266F64-F1AB-A96F-82D3-1C3DE97899DA}"/>
+                    </a:ext>
+                  </a:extLst>
+                </p:cNvPr>
+                <p:cNvPicPr/>
+                <p:nvPr/>
+              </p:nvPicPr>
+              <p:blipFill>
+                <a:blip r:embed="rId6"/>
+                <a:stretch>
+                  <a:fillRect/>
+                </a:stretch>
+              </p:blipFill>
+              <p:spPr>
+                <a:xfrm>
+                  <a:off x="2403760" y="1938820"/>
+                  <a:ext cx="457920" cy="266040"/>
+                </a:xfrm>
+                <a:prstGeom prst="rect">
+                  <a:avLst/>
+                </a:prstGeom>
+              </p:spPr>
+            </p:pic>
+          </mc:Fallback>
+        </mc:AlternateContent>
+      </p:grpSp>
+      <p:sp>
+        <p:nvSpPr>
+          <p:cNvPr id="14" name="TextBox 13">
+            <a:extLst>
+              <a:ext uri="{FF2B5EF4-FFF2-40B4-BE49-F238E27FC236}">
+                <a16:creationId xmlns:a16="http://schemas.microsoft.com/office/drawing/2014/main" id="{0FF0413F-2868-46D0-28DD-1AC9081F2579}"/>
+              </a:ext>
+            </a:extLst>
+          </p:cNvPr>
+          <p:cNvSpPr txBox="1"/>
+          <p:nvPr/>
+        </p:nvSpPr>
+        <p:spPr>
+          <a:xfrm>
+            <a:off x="369116" y="3013108"/>
+            <a:ext cx="2666114" cy="1754326"/>
+          </a:xfrm>
+          <a:prstGeom prst="rect">
+            <a:avLst/>
+          </a:prstGeom>
+          <a:noFill/>
+        </p:spPr>
+        <p:txBody>
+          <a:bodyPr wrap="none" rtlCol="0">
+            <a:spAutoFit/>
+          </a:bodyPr>
+          <a:lstStyle/>
+          <a:p>
+            <a:r>
+              <a:rPr lang="en-US" dirty="0"/>
+              <a:t>Sanity check</a:t>
+            </a:r>
+            <a:br>
+              <a:rPr lang="en-US" dirty="0"/>
+            </a:br>
+            <a:endParaRPr lang="en-US" dirty="0"/>
+          </a:p>
+          <a:p>
+            <a:r>
+              <a:rPr lang="en-US" dirty="0"/>
+              <a:t>More extreme contraction</a:t>
+            </a:r>
+            <a:br>
+              <a:rPr lang="en-US" dirty="0"/>
+            </a:br>
+            <a:r>
+              <a:rPr lang="en-US" dirty="0"/>
+              <a:t>+ short time should be the</a:t>
+            </a:r>
+            <a:br>
+              <a:rPr lang="en-US" dirty="0"/>
+            </a:br>
+            <a:r>
+              <a:rPr lang="en-US" dirty="0"/>
+              <a:t>same as less extreme + </a:t>
+            </a:r>
+            <a:br>
+              <a:rPr lang="en-US" dirty="0"/>
+            </a:br>
+            <a:r>
+              <a:rPr lang="en-US" dirty="0"/>
+              <a:t>longer time</a:t>
+            </a:r>
+          </a:p>
+        </p:txBody>
+      </p:sp>
+      <mc:AlternateContent xmlns:mc="http://schemas.openxmlformats.org/markup-compatibility/2006">
+        <mc:Choice xmlns:p14="http://schemas.microsoft.com/office/powerpoint/2010/main" Requires="p14">
+          <p:contentPart p14:bwMode="auto" r:id="rId7">
+            <p14:nvContentPartPr>
+              <p14:cNvPr id="16" name="Ink 15">
+                <a:extLst>
+                  <a:ext uri="{FF2B5EF4-FFF2-40B4-BE49-F238E27FC236}">
+                    <a16:creationId xmlns:a16="http://schemas.microsoft.com/office/drawing/2014/main" id="{527231FE-6E0D-E77B-E1C0-1F2215FA703F}"/>
+                  </a:ext>
+                </a:extLst>
+              </p14:cNvPr>
+              <p14:cNvContentPartPr/>
+              <p14:nvPr/>
+            </p14:nvContentPartPr>
+            <p14:xfrm>
+              <a:off x="5676520" y="4025740"/>
+              <a:ext cx="360" cy="360"/>
+            </p14:xfrm>
+          </p:contentPart>
+        </mc:Choice>
+        <mc:Fallback>
+          <p:pic>
+            <p:nvPicPr>
+              <p:cNvPr id="16" name="Ink 15">
+                <a:extLst>
+                  <a:ext uri="{FF2B5EF4-FFF2-40B4-BE49-F238E27FC236}">
+                    <a16:creationId xmlns:a16="http://schemas.microsoft.com/office/drawing/2014/main" id="{527231FE-6E0D-E77B-E1C0-1F2215FA703F}"/>
+                  </a:ext>
+                </a:extLst>
+              </p:cNvPr>
+              <p:cNvPicPr/>
+              <p:nvPr/>
+            </p:nvPicPr>
+            <p:blipFill>
+              <a:blip r:embed="rId8"/>
+              <a:stretch>
+                <a:fillRect/>
+              </a:stretch>
+            </p:blipFill>
+            <p:spPr>
+              <a:xfrm>
+                <a:off x="5667880" y="4017100"/>
+                <a:ext cx="18000" cy="18000"/>
+              </a:xfrm>
+              <a:prstGeom prst="rect">
+                <a:avLst/>
+              </a:prstGeom>
+            </p:spPr>
+          </p:pic>
+        </mc:Fallback>
+      </mc:AlternateContent>
+      <mc:AlternateContent xmlns:mc="http://schemas.openxmlformats.org/markup-compatibility/2006">
+        <mc:Choice xmlns:p14="http://schemas.microsoft.com/office/powerpoint/2010/main" Requires="p14">
+          <p:contentPart p14:bwMode="auto" r:id="rId9">
+            <p14:nvContentPartPr>
+              <p14:cNvPr id="17" name="Ink 16">
+                <a:extLst>
+                  <a:ext uri="{FF2B5EF4-FFF2-40B4-BE49-F238E27FC236}">
+                    <a16:creationId xmlns:a16="http://schemas.microsoft.com/office/drawing/2014/main" id="{6C20E76D-A166-6757-5103-B9EC968AAACD}"/>
+                  </a:ext>
+                </a:extLst>
+              </p14:cNvPr>
+              <p14:cNvContentPartPr/>
+              <p14:nvPr/>
+            </p14:nvContentPartPr>
+            <p14:xfrm>
+              <a:off x="5583280" y="3985420"/>
+              <a:ext cx="196200" cy="150840"/>
+            </p14:xfrm>
+          </p:contentPart>
+        </mc:Choice>
+        <mc:Fallback>
+          <p:pic>
+            <p:nvPicPr>
+              <p:cNvPr id="17" name="Ink 16">
+                <a:extLst>
+                  <a:ext uri="{FF2B5EF4-FFF2-40B4-BE49-F238E27FC236}">
+                    <a16:creationId xmlns:a16="http://schemas.microsoft.com/office/drawing/2014/main" id="{6C20E76D-A166-6757-5103-B9EC968AAACD}"/>
+                  </a:ext>
+                </a:extLst>
+              </p:cNvPr>
+              <p:cNvPicPr/>
+              <p:nvPr/>
+            </p:nvPicPr>
+            <p:blipFill>
+              <a:blip r:embed="rId10"/>
+              <a:stretch>
+                <a:fillRect/>
+              </a:stretch>
+            </p:blipFill>
+            <p:spPr>
+              <a:xfrm>
+                <a:off x="5574640" y="3976780"/>
+                <a:ext cx="213840" cy="168480"/>
+              </a:xfrm>
+              <a:prstGeom prst="rect">
+                <a:avLst/>
+              </a:prstGeom>
+            </p:spPr>
+          </p:pic>
+        </mc:Fallback>
+      </mc:AlternateContent>
+      <mc:AlternateContent xmlns:mc="http://schemas.openxmlformats.org/markup-compatibility/2006">
+        <mc:Choice xmlns:p14="http://schemas.microsoft.com/office/powerpoint/2010/main" Requires="p14">
+          <p:contentPart p14:bwMode="auto" r:id="rId11">
+            <p14:nvContentPartPr>
+              <p14:cNvPr id="18" name="Ink 17">
+                <a:extLst>
+                  <a:ext uri="{FF2B5EF4-FFF2-40B4-BE49-F238E27FC236}">
+                    <a16:creationId xmlns:a16="http://schemas.microsoft.com/office/drawing/2014/main" id="{6027E726-C61E-D6CE-794F-CC794417E758}"/>
+                  </a:ext>
+                </a:extLst>
+              </p14:cNvPr>
+              <p14:cNvContentPartPr/>
+              <p14:nvPr/>
+            </p14:nvContentPartPr>
+            <p14:xfrm>
+              <a:off x="5618685" y="3468645"/>
+              <a:ext cx="126720" cy="139680"/>
+            </p14:xfrm>
+          </p:contentPart>
+        </mc:Choice>
+        <mc:Fallback>
+          <p:pic>
+            <p:nvPicPr>
+              <p:cNvPr id="18" name="Ink 17">
+                <a:extLst>
+                  <a:ext uri="{FF2B5EF4-FFF2-40B4-BE49-F238E27FC236}">
+                    <a16:creationId xmlns:a16="http://schemas.microsoft.com/office/drawing/2014/main" id="{6027E726-C61E-D6CE-794F-CC794417E758}"/>
+                  </a:ext>
+                </a:extLst>
+              </p:cNvPr>
+              <p:cNvPicPr/>
+              <p:nvPr/>
+            </p:nvPicPr>
+            <p:blipFill>
+              <a:blip r:embed="rId12"/>
+              <a:stretch>
+                <a:fillRect/>
+              </a:stretch>
+            </p:blipFill>
+            <p:spPr>
+              <a:xfrm>
+                <a:off x="5609685" y="3460005"/>
+                <a:ext cx="144360" cy="157320"/>
+              </a:xfrm>
+              <a:prstGeom prst="rect">
+                <a:avLst/>
+              </a:prstGeom>
+            </p:spPr>
+          </p:pic>
+        </mc:Fallback>
+      </mc:AlternateContent>
     </p:spTree>
     <p:extLst>
       <p:ext uri="{BB962C8B-B14F-4D97-AF65-F5344CB8AC3E}">
-        <p14:creationId xmlns:p14="http://schemas.microsoft.com/office/powerpoint/2010/main" val="1151831412"/>
+        <p14:creationId xmlns:p14="http://schemas.microsoft.com/office/powerpoint/2010/main" val="1489069753"/>
       </p:ext>
     </p:extLst>
   </p:cSld>
@@ -4420,10 +5751,10 @@
       </p:sp>
       <p:pic>
         <p:nvPicPr>
-          <p:cNvPr id="6" name="Content Placeholder 5" descr="Chart, histogram&#10;&#10;Description automatically generated">
-            <a:extLst>
-              <a:ext uri="{FF2B5EF4-FFF2-40B4-BE49-F238E27FC236}">
-                <a16:creationId xmlns:a16="http://schemas.microsoft.com/office/drawing/2014/main" id="{702E72AA-2299-83D8-DA6B-46728C7BB2DE}"/>
+          <p:cNvPr id="11" name="Content Placeholder 10" descr="Chart, bar chart&#10;&#10;Description automatically generated">
+            <a:extLst>
+              <a:ext uri="{FF2B5EF4-FFF2-40B4-BE49-F238E27FC236}">
+                <a16:creationId xmlns:a16="http://schemas.microsoft.com/office/drawing/2014/main" id="{6C220F80-0111-82AA-3236-A473E62FE602}"/>
               </a:ext>
             </a:extLst>
           </p:cNvPr>
@@ -4453,6 +5784,53 @@
           </a:xfrm>
         </p:spPr>
       </p:pic>
+      <p:sp>
+        <p:nvSpPr>
+          <p:cNvPr id="15" name="TextBox 14">
+            <a:extLst>
+              <a:ext uri="{FF2B5EF4-FFF2-40B4-BE49-F238E27FC236}">
+                <a16:creationId xmlns:a16="http://schemas.microsoft.com/office/drawing/2014/main" id="{62E75B54-4D24-6F87-AF4C-45D7B8035FB6}"/>
+              </a:ext>
+            </a:extLst>
+          </p:cNvPr>
+          <p:cNvSpPr txBox="1"/>
+          <p:nvPr/>
+        </p:nvSpPr>
+        <p:spPr>
+          <a:xfrm>
+            <a:off x="8996892" y="1825625"/>
+            <a:ext cx="2423099" cy="923330"/>
+          </a:xfrm>
+          <a:prstGeom prst="rect">
+            <a:avLst/>
+          </a:prstGeom>
+          <a:noFill/>
+        </p:spPr>
+        <p:txBody>
+          <a:bodyPr wrap="none" rtlCol="0">
+            <a:spAutoFit/>
+          </a:bodyPr>
+          <a:lstStyle/>
+          <a:p>
+            <a:r>
+              <a:rPr lang="en-US" dirty="0"/>
+              <a:t>Color distribution is less</a:t>
+            </a:r>
+          </a:p>
+          <a:p>
+            <a:r>
+              <a:rPr lang="en-US" dirty="0"/>
+              <a:t>severely weighted</a:t>
+            </a:r>
+          </a:p>
+          <a:p>
+            <a:r>
+              <a:rPr lang="en-US" dirty="0"/>
+              <a:t>towards max values</a:t>
+            </a:r>
+          </a:p>
+        </p:txBody>
+      </p:sp>
     </p:spTree>
     <p:extLst>
       <p:ext uri="{BB962C8B-B14F-4D97-AF65-F5344CB8AC3E}">
@@ -4488,7 +5866,7 @@
           <p:cNvPr id="2" name="Title 1">
             <a:extLst>
               <a:ext uri="{FF2B5EF4-FFF2-40B4-BE49-F238E27FC236}">
-                <a16:creationId xmlns:a16="http://schemas.microsoft.com/office/drawing/2014/main" id="{A602EA1E-DA58-BED5-FDEE-69838F68237F}"/>
+                <a16:creationId xmlns:a16="http://schemas.microsoft.com/office/drawing/2014/main" id="{DDECB1F4-193F-9752-CBCE-13D62BD690F0}"/>
               </a:ext>
             </a:extLst>
           </p:cNvPr>
@@ -4505,79 +5883,549 @@
           <a:lstStyle/>
           <a:p>
             <a:r>
-              <a:rPr lang="en-US"/>
-              <a:t>TODO 20220829</a:t>
-            </a:r>
-          </a:p>
-        </p:txBody>
-      </p:sp>
-      <p:sp>
-        <p:nvSpPr>
-          <p:cNvPr id="3" name="Content Placeholder 2">
-            <a:extLst>
-              <a:ext uri="{FF2B5EF4-FFF2-40B4-BE49-F238E27FC236}">
-                <a16:creationId xmlns:a16="http://schemas.microsoft.com/office/drawing/2014/main" id="{1747A062-6D09-3F49-9719-9EC1D1335A5B}"/>
-              </a:ext>
-            </a:extLst>
-          </p:cNvPr>
-          <p:cNvSpPr>
-            <a:spLocks noGrp="1"/>
-          </p:cNvSpPr>
+              <a:rPr lang="en-US" dirty="0"/>
+              <a:t>P. </a:t>
+            </a:r>
+            <a:r>
+              <a:rPr lang="en-US" dirty="0" err="1"/>
+              <a:t>Distasonis</a:t>
+            </a:r>
+            <a:r>
+              <a:rPr lang="en-US" dirty="0"/>
+              <a:t> (different color scheme)</a:t>
+            </a:r>
+          </a:p>
+        </p:txBody>
+      </p:sp>
+      <p:sp>
+        <p:nvSpPr>
+          <p:cNvPr id="15" name="TextBox 14">
+            <a:extLst>
+              <a:ext uri="{FF2B5EF4-FFF2-40B4-BE49-F238E27FC236}">
+                <a16:creationId xmlns:a16="http://schemas.microsoft.com/office/drawing/2014/main" id="{62E75B54-4D24-6F87-AF4C-45D7B8035FB6}"/>
+              </a:ext>
+            </a:extLst>
+          </p:cNvPr>
+          <p:cNvSpPr txBox="1"/>
+          <p:nvPr/>
+        </p:nvSpPr>
+        <p:spPr>
+          <a:xfrm>
+            <a:off x="8996892" y="1825625"/>
+            <a:ext cx="3133037" cy="923330"/>
+          </a:xfrm>
+          <a:prstGeom prst="rect">
+            <a:avLst/>
+          </a:prstGeom>
+          <a:noFill/>
+        </p:spPr>
+        <p:txBody>
+          <a:bodyPr wrap="none" rtlCol="0">
+            <a:spAutoFit/>
+          </a:bodyPr>
+          <a:lstStyle/>
+          <a:p>
+            <a:r>
+              <a:rPr lang="en-US" dirty="0"/>
+              <a:t>Color distribution is split evenly</a:t>
+            </a:r>
+          </a:p>
+          <a:p>
+            <a:r>
+              <a:rPr lang="en-US" dirty="0"/>
+              <a:t>between top 20 percent and</a:t>
+            </a:r>
+            <a:br>
+              <a:rPr lang="en-US" dirty="0"/>
+            </a:br>
+            <a:r>
+              <a:rPr lang="en-US" dirty="0"/>
+              <a:t>bottom 80</a:t>
+            </a:r>
+          </a:p>
+        </p:txBody>
+      </p:sp>
+      <p:pic>
+        <p:nvPicPr>
+          <p:cNvPr id="9" name="Content Placeholder 8" descr="Chart, histogram&#10;&#10;Description automatically generated">
+            <a:extLst>
+              <a:ext uri="{FF2B5EF4-FFF2-40B4-BE49-F238E27FC236}">
+                <a16:creationId xmlns:a16="http://schemas.microsoft.com/office/drawing/2014/main" id="{65844C38-3F05-E286-7439-750F4FF551CE}"/>
+              </a:ext>
+            </a:extLst>
+          </p:cNvPr>
+          <p:cNvPicPr>
+            <a:picLocks noGrp="1" noChangeAspect="1"/>
+          </p:cNvPicPr>
           <p:nvPr>
             <p:ph idx="1"/>
           </p:nvPr>
-        </p:nvSpPr>
-        <p:spPr/>
-        <p:txBody>
-          <a:bodyPr/>
-          <a:lstStyle/>
-          <a:p>
-            <a:r>
-              <a:rPr lang="en-US"/>
-              <a:t>SFSs for supplement + main text (B. </a:t>
-            </a:r>
-            <a:r>
-              <a:rPr lang="en-US" err="1"/>
-              <a:t>intestinihominis</a:t>
-            </a:r>
-            <a:r>
-              <a:rPr lang="en-US"/>
-              <a:t>)</a:t>
-            </a:r>
-          </a:p>
-          <a:p>
-            <a:r>
-              <a:rPr lang="en-US"/>
-              <a:t>Merge </a:t>
-            </a:r>
-            <a:r>
-              <a:rPr lang="en-US" err="1"/>
-              <a:t>snps</a:t>
-            </a:r>
-            <a:r>
-              <a:rPr lang="en-US"/>
-              <a:t> step with a smaller directory of two files</a:t>
-            </a:r>
-          </a:p>
-          <a:p>
-            <a:r>
-              <a:rPr lang="en-US"/>
-              <a:t>Pi plot, species with &gt;= 5 hosts in both cohorts instead of original list</a:t>
-            </a:r>
-          </a:p>
-          <a:p>
-            <a:pPr lvl="1"/>
-            <a:r>
-              <a:rPr lang="en-US"/>
-              <a:t>Wilcoxon rank sum test</a:t>
-            </a:r>
-          </a:p>
-        </p:txBody>
-      </p:sp>
+        </p:nvPicPr>
+        <p:blipFill>
+          <a:blip r:embed="rId2">
+            <a:extLst>
+              <a:ext uri="{28A0092B-C50C-407E-A947-70E740481C1C}">
+                <a14:useLocalDpi xmlns:a14="http://schemas.microsoft.com/office/drawing/2010/main" val="0"/>
+              </a:ext>
+            </a:extLst>
+          </a:blip>
+          <a:stretch>
+            <a:fillRect/>
+          </a:stretch>
+        </p:blipFill>
+        <p:spPr>
+          <a:xfrm>
+            <a:off x="3195108" y="1825625"/>
+            <a:ext cx="5801784" cy="4351338"/>
+          </a:xfrm>
+        </p:spPr>
+      </p:pic>
     </p:spTree>
     <p:extLst>
       <p:ext uri="{BB962C8B-B14F-4D97-AF65-F5344CB8AC3E}">
-        <p14:creationId xmlns:p14="http://schemas.microsoft.com/office/powerpoint/2010/main" val="2897469236"/>
+        <p14:creationId xmlns:p14="http://schemas.microsoft.com/office/powerpoint/2010/main" val="4111092087"/>
+      </p:ext>
+    </p:extLst>
+  </p:cSld>
+  <p:clrMapOvr>
+    <a:masterClrMapping/>
+  </p:clrMapOvr>
+</p:sld>
+</file>
+
+<file path=ppt/slides/slide7.xml><?xml version="1.0" encoding="utf-8"?>
+<p:sld xmlns:a="http://schemas.openxmlformats.org/drawingml/2006/main" xmlns:r="http://schemas.openxmlformats.org/officeDocument/2006/relationships" xmlns:p="http://schemas.openxmlformats.org/presentationml/2006/main">
+  <p:cSld>
+    <p:spTree>
+      <p:nvGrpSpPr>
+        <p:cNvPr id="1" name=""/>
+        <p:cNvGrpSpPr/>
+        <p:nvPr/>
+      </p:nvGrpSpPr>
+      <p:grpSpPr>
+        <a:xfrm>
+          <a:off x="0" y="0"/>
+          <a:ext cx="0" cy="0"/>
+          <a:chOff x="0" y="0"/>
+          <a:chExt cx="0" cy="0"/>
+        </a:xfrm>
+      </p:grpSpPr>
+      <p:sp>
+        <p:nvSpPr>
+          <p:cNvPr id="2" name="Title 1">
+            <a:extLst>
+              <a:ext uri="{FF2B5EF4-FFF2-40B4-BE49-F238E27FC236}">
+                <a16:creationId xmlns:a16="http://schemas.microsoft.com/office/drawing/2014/main" id="{DDECB1F4-193F-9752-CBCE-13D62BD690F0}"/>
+              </a:ext>
+            </a:extLst>
+          </p:cNvPr>
+          <p:cNvSpPr>
+            <a:spLocks noGrp="1"/>
+          </p:cNvSpPr>
+          <p:nvPr>
+            <p:ph type="title"/>
+          </p:nvPr>
+        </p:nvSpPr>
+        <p:spPr/>
+        <p:txBody>
+          <a:bodyPr/>
+          <a:lstStyle/>
+          <a:p>
+            <a:r>
+              <a:rPr lang="en-US" dirty="0"/>
+              <a:t>P. </a:t>
+            </a:r>
+            <a:r>
+              <a:rPr lang="en-US" dirty="0" err="1"/>
+              <a:t>Distasonis</a:t>
+            </a:r>
+            <a:r>
+              <a:rPr lang="en-US" dirty="0"/>
+              <a:t> (Linear)</a:t>
+            </a:r>
+          </a:p>
+        </p:txBody>
+      </p:sp>
+      <p:pic>
+        <p:nvPicPr>
+          <p:cNvPr id="7" name="Content Placeholder 6" descr="Chart, waterfall chart&#10;&#10;Description automatically generated">
+            <a:extLst>
+              <a:ext uri="{FF2B5EF4-FFF2-40B4-BE49-F238E27FC236}">
+                <a16:creationId xmlns:a16="http://schemas.microsoft.com/office/drawing/2014/main" id="{D3200AE9-5E0D-EFBF-85FA-A04A8B05557A}"/>
+              </a:ext>
+            </a:extLst>
+          </p:cNvPr>
+          <p:cNvPicPr>
+            <a:picLocks noGrp="1" noChangeAspect="1"/>
+          </p:cNvPicPr>
+          <p:nvPr>
+            <p:ph idx="1"/>
+          </p:nvPr>
+        </p:nvPicPr>
+        <p:blipFill>
+          <a:blip r:embed="rId2">
+            <a:extLst>
+              <a:ext uri="{28A0092B-C50C-407E-A947-70E740481C1C}">
+                <a14:useLocalDpi xmlns:a14="http://schemas.microsoft.com/office/drawing/2010/main" val="0"/>
+              </a:ext>
+            </a:extLst>
+          </a:blip>
+          <a:stretch>
+            <a:fillRect/>
+          </a:stretch>
+        </p:blipFill>
+        <p:spPr>
+          <a:xfrm>
+            <a:off x="3195108" y="1825625"/>
+            <a:ext cx="5801784" cy="4351338"/>
+          </a:xfrm>
+        </p:spPr>
+      </p:pic>
+      <p:sp>
+        <p:nvSpPr>
+          <p:cNvPr id="4" name="TextBox 3">
+            <a:extLst>
+              <a:ext uri="{FF2B5EF4-FFF2-40B4-BE49-F238E27FC236}">
+                <a16:creationId xmlns:a16="http://schemas.microsoft.com/office/drawing/2014/main" id="{394B171A-57D0-E46B-1725-2A9609AFF369}"/>
+              </a:ext>
+            </a:extLst>
+          </p:cNvPr>
+          <p:cNvSpPr txBox="1"/>
+          <p:nvPr/>
+        </p:nvSpPr>
+        <p:spPr>
+          <a:xfrm>
+            <a:off x="8996892" y="1825625"/>
+            <a:ext cx="2609048" cy="369332"/>
+          </a:xfrm>
+          <a:prstGeom prst="rect">
+            <a:avLst/>
+          </a:prstGeom>
+          <a:noFill/>
+        </p:spPr>
+        <p:txBody>
+          <a:bodyPr wrap="none" rtlCol="0">
+            <a:spAutoFit/>
+          </a:bodyPr>
+          <a:lstStyle/>
+          <a:p>
+            <a:r>
+              <a:rPr lang="en-US" dirty="0"/>
+              <a:t>Color distribution is linear</a:t>
+            </a:r>
+          </a:p>
+        </p:txBody>
+      </p:sp>
+    </p:spTree>
+    <p:extLst>
+      <p:ext uri="{BB962C8B-B14F-4D97-AF65-F5344CB8AC3E}">
+        <p14:creationId xmlns:p14="http://schemas.microsoft.com/office/powerpoint/2010/main" val="3681635922"/>
+      </p:ext>
+    </p:extLst>
+  </p:cSld>
+  <p:clrMapOvr>
+    <a:masterClrMapping/>
+  </p:clrMapOvr>
+</p:sld>
+</file>
+
+<file path=ppt/slides/slide8.xml><?xml version="1.0" encoding="utf-8"?>
+<p:sld xmlns:a="http://schemas.openxmlformats.org/drawingml/2006/main" xmlns:r="http://schemas.openxmlformats.org/officeDocument/2006/relationships" xmlns:p="http://schemas.openxmlformats.org/presentationml/2006/main">
+  <p:cSld>
+    <p:spTree>
+      <p:nvGrpSpPr>
+        <p:cNvPr id="1" name=""/>
+        <p:cNvGrpSpPr/>
+        <p:nvPr/>
+      </p:nvGrpSpPr>
+      <p:grpSpPr>
+        <a:xfrm>
+          <a:off x="0" y="0"/>
+          <a:ext cx="0" cy="0"/>
+          <a:chOff x="0" y="0"/>
+          <a:chExt cx="0" cy="0"/>
+        </a:xfrm>
+      </p:grpSpPr>
+      <p:sp>
+        <p:nvSpPr>
+          <p:cNvPr id="2" name="Title 1">
+            <a:extLst>
+              <a:ext uri="{FF2B5EF4-FFF2-40B4-BE49-F238E27FC236}">
+                <a16:creationId xmlns:a16="http://schemas.microsoft.com/office/drawing/2014/main" id="{DDECB1F4-193F-9752-CBCE-13D62BD690F0}"/>
+              </a:ext>
+            </a:extLst>
+          </p:cNvPr>
+          <p:cNvSpPr>
+            <a:spLocks noGrp="1"/>
+          </p:cNvSpPr>
+          <p:nvPr>
+            <p:ph type="title"/>
+          </p:nvPr>
+        </p:nvSpPr>
+        <p:spPr/>
+        <p:txBody>
+          <a:bodyPr/>
+          <a:lstStyle/>
+          <a:p>
+            <a:r>
+              <a:rPr lang="en-US" dirty="0"/>
+              <a:t>P. </a:t>
+            </a:r>
+            <a:r>
+              <a:rPr lang="en-US" dirty="0" err="1"/>
+              <a:t>Distasonis</a:t>
+            </a:r>
+            <a:r>
+              <a:rPr lang="en-US" dirty="0"/>
+              <a:t> (</a:t>
+            </a:r>
+            <a:r>
+              <a:rPr lang="en-US" dirty="0" err="1"/>
+              <a:t>SymLogNorm</a:t>
+            </a:r>
+            <a:r>
+              <a:rPr lang="en-US" dirty="0"/>
+              <a:t>)</a:t>
+            </a:r>
+          </a:p>
+        </p:txBody>
+      </p:sp>
+      <p:pic>
+        <p:nvPicPr>
+          <p:cNvPr id="11" name="Content Placeholder 10" descr="Chart&#10;&#10;Description automatically generated">
+            <a:extLst>
+              <a:ext uri="{FF2B5EF4-FFF2-40B4-BE49-F238E27FC236}">
+                <a16:creationId xmlns:a16="http://schemas.microsoft.com/office/drawing/2014/main" id="{0811B890-B648-64CC-7DDF-192F4C860643}"/>
+              </a:ext>
+            </a:extLst>
+          </p:cNvPr>
+          <p:cNvPicPr>
+            <a:picLocks noGrp="1" noChangeAspect="1"/>
+          </p:cNvPicPr>
+          <p:nvPr>
+            <p:ph idx="1"/>
+          </p:nvPr>
+        </p:nvPicPr>
+        <p:blipFill>
+          <a:blip r:embed="rId2">
+            <a:extLst>
+              <a:ext uri="{28A0092B-C50C-407E-A947-70E740481C1C}">
+                <a14:useLocalDpi xmlns:a14="http://schemas.microsoft.com/office/drawing/2010/main" val="0"/>
+              </a:ext>
+            </a:extLst>
+          </a:blip>
+          <a:stretch>
+            <a:fillRect/>
+          </a:stretch>
+        </p:blipFill>
+        <p:spPr>
+          <a:xfrm>
+            <a:off x="3195108" y="1825625"/>
+            <a:ext cx="5801784" cy="4351338"/>
+          </a:xfrm>
+        </p:spPr>
+      </p:pic>
+      <p:sp>
+        <p:nvSpPr>
+          <p:cNvPr id="13" name="TextBox 12">
+            <a:extLst>
+              <a:ext uri="{FF2B5EF4-FFF2-40B4-BE49-F238E27FC236}">
+                <a16:creationId xmlns:a16="http://schemas.microsoft.com/office/drawing/2014/main" id="{63FCD713-7FFE-49D5-E4B5-F41C7002343D}"/>
+              </a:ext>
+            </a:extLst>
+          </p:cNvPr>
+          <p:cNvSpPr txBox="1"/>
+          <p:nvPr/>
+        </p:nvSpPr>
+        <p:spPr>
+          <a:xfrm>
+            <a:off x="8996892" y="1825625"/>
+            <a:ext cx="2998257" cy="646331"/>
+          </a:xfrm>
+          <a:prstGeom prst="rect">
+            <a:avLst/>
+          </a:prstGeom>
+          <a:noFill/>
+        </p:spPr>
+        <p:txBody>
+          <a:bodyPr wrap="none" rtlCol="0">
+            <a:spAutoFit/>
+          </a:bodyPr>
+          <a:lstStyle/>
+          <a:p>
+            <a:r>
+              <a:rPr lang="en-US" dirty="0"/>
+              <a:t>Color distribution is </a:t>
+            </a:r>
+            <a:r>
+              <a:rPr lang="en-US" dirty="0" err="1"/>
+              <a:t>logscaled</a:t>
+            </a:r>
+            <a:endParaRPr lang="en-US" dirty="0"/>
+          </a:p>
+          <a:p>
+            <a:r>
+              <a:rPr lang="en-US" dirty="0"/>
+              <a:t>against low values</a:t>
+            </a:r>
+          </a:p>
+        </p:txBody>
+      </p:sp>
+    </p:spTree>
+    <p:extLst>
+      <p:ext uri="{BB962C8B-B14F-4D97-AF65-F5344CB8AC3E}">
+        <p14:creationId xmlns:p14="http://schemas.microsoft.com/office/powerpoint/2010/main" val="1930837532"/>
+      </p:ext>
+    </p:extLst>
+  </p:cSld>
+  <p:clrMapOvr>
+    <a:masterClrMapping/>
+  </p:clrMapOvr>
+</p:sld>
+</file>
+
+<file path=ppt/slides/slide9.xml><?xml version="1.0" encoding="utf-8"?>
+<p:sld xmlns:a="http://schemas.openxmlformats.org/drawingml/2006/main" xmlns:r="http://schemas.openxmlformats.org/officeDocument/2006/relationships" xmlns:p="http://schemas.openxmlformats.org/presentationml/2006/main">
+  <p:cSld>
+    <p:spTree>
+      <p:nvGrpSpPr>
+        <p:cNvPr id="1" name=""/>
+        <p:cNvGrpSpPr/>
+        <p:nvPr/>
+      </p:nvGrpSpPr>
+      <p:grpSpPr>
+        <a:xfrm>
+          <a:off x="0" y="0"/>
+          <a:ext cx="0" cy="0"/>
+          <a:chOff x="0" y="0"/>
+          <a:chExt cx="0" cy="0"/>
+        </a:xfrm>
+      </p:grpSpPr>
+      <p:sp>
+        <p:nvSpPr>
+          <p:cNvPr id="2" name="Title 1">
+            <a:extLst>
+              <a:ext uri="{FF2B5EF4-FFF2-40B4-BE49-F238E27FC236}">
+                <a16:creationId xmlns:a16="http://schemas.microsoft.com/office/drawing/2014/main" id="{DDECB1F4-193F-9752-CBCE-13D62BD690F0}"/>
+              </a:ext>
+            </a:extLst>
+          </p:cNvPr>
+          <p:cNvSpPr>
+            <a:spLocks noGrp="1"/>
+          </p:cNvSpPr>
+          <p:nvPr>
+            <p:ph type="title"/>
+          </p:nvPr>
+        </p:nvSpPr>
+        <p:spPr/>
+        <p:txBody>
+          <a:bodyPr/>
+          <a:lstStyle/>
+          <a:p>
+            <a:r>
+              <a:rPr lang="en-US" dirty="0"/>
+              <a:t>P. </a:t>
+            </a:r>
+            <a:r>
+              <a:rPr lang="en-US" dirty="0" err="1"/>
+              <a:t>Distasonis</a:t>
+            </a:r>
+            <a:r>
+              <a:rPr lang="en-US" dirty="0"/>
+              <a:t> (</a:t>
+            </a:r>
+            <a:r>
+              <a:rPr lang="en-US" dirty="0" err="1"/>
+              <a:t>CenteredNorm</a:t>
+            </a:r>
+            <a:r>
+              <a:rPr lang="en-US" dirty="0"/>
+              <a:t>)</a:t>
+            </a:r>
+          </a:p>
+        </p:txBody>
+      </p:sp>
+      <p:pic>
+        <p:nvPicPr>
+          <p:cNvPr id="6" name="Content Placeholder 5" descr="Chart, histogram&#10;&#10;Description automatically generated">
+            <a:extLst>
+              <a:ext uri="{FF2B5EF4-FFF2-40B4-BE49-F238E27FC236}">
+                <a16:creationId xmlns:a16="http://schemas.microsoft.com/office/drawing/2014/main" id="{702E72AA-2299-83D8-DA6B-46728C7BB2DE}"/>
+              </a:ext>
+            </a:extLst>
+          </p:cNvPr>
+          <p:cNvPicPr>
+            <a:picLocks noGrp="1" noChangeAspect="1"/>
+          </p:cNvPicPr>
+          <p:nvPr>
+            <p:ph idx="1"/>
+          </p:nvPr>
+        </p:nvPicPr>
+        <p:blipFill>
+          <a:blip r:embed="rId2">
+            <a:extLst>
+              <a:ext uri="{28A0092B-C50C-407E-A947-70E740481C1C}">
+                <a14:useLocalDpi xmlns:a14="http://schemas.microsoft.com/office/drawing/2010/main" val="0"/>
+              </a:ext>
+            </a:extLst>
+          </a:blip>
+          <a:stretch>
+            <a:fillRect/>
+          </a:stretch>
+        </p:blipFill>
+        <p:spPr>
+          <a:xfrm>
+            <a:off x="3195108" y="1825625"/>
+            <a:ext cx="5801784" cy="4351338"/>
+          </a:xfrm>
+        </p:spPr>
+      </p:pic>
+      <p:sp>
+        <p:nvSpPr>
+          <p:cNvPr id="4" name="TextBox 3">
+            <a:extLst>
+              <a:ext uri="{FF2B5EF4-FFF2-40B4-BE49-F238E27FC236}">
+                <a16:creationId xmlns:a16="http://schemas.microsoft.com/office/drawing/2014/main" id="{22885571-A632-F4FC-407B-B972C0A2EA34}"/>
+              </a:ext>
+            </a:extLst>
+          </p:cNvPr>
+          <p:cNvSpPr txBox="1"/>
+          <p:nvPr/>
+        </p:nvSpPr>
+        <p:spPr>
+          <a:xfrm>
+            <a:off x="8768292" y="1825625"/>
+            <a:ext cx="2912400" cy="646331"/>
+          </a:xfrm>
+          <a:prstGeom prst="rect">
+            <a:avLst/>
+          </a:prstGeom>
+          <a:noFill/>
+        </p:spPr>
+        <p:txBody>
+          <a:bodyPr wrap="none" rtlCol="0">
+            <a:spAutoFit/>
+          </a:bodyPr>
+          <a:lstStyle/>
+          <a:p>
+            <a:r>
+              <a:rPr lang="en-US" dirty="0"/>
+              <a:t>Color distribution is centered</a:t>
+            </a:r>
+            <a:br>
+              <a:rPr lang="en-US" dirty="0"/>
+            </a:br>
+            <a:r>
+              <a:rPr lang="en-US" dirty="0"/>
+              <a:t>around median values</a:t>
+            </a:r>
+          </a:p>
+        </p:txBody>
+      </p:sp>
+    </p:spTree>
+    <p:extLst>
+      <p:ext uri="{BB962C8B-B14F-4D97-AF65-F5344CB8AC3E}">
+        <p14:creationId xmlns:p14="http://schemas.microsoft.com/office/powerpoint/2010/main" val="1151831412"/>
       </p:ext>
     </p:extLst>
   </p:cSld>
